--- a/cognitive-care-doc-references/20241124_hackathon.pptx
+++ b/cognitive-care-doc-references/20241124_hackathon.pptx
@@ -5,14 +5,16 @@
     <p:sldMasterId id="2147483648" r:id="rId1"/>
   </p:sldMasterIdLst>
   <p:notesMasterIdLst>
-    <p:notesMasterId r:id="rId7"/>
+    <p:notesMasterId r:id="rId9"/>
   </p:notesMasterIdLst>
   <p:sldIdLst>
     <p:sldId id="256" r:id="rId2"/>
     <p:sldId id="258" r:id="rId3"/>
     <p:sldId id="259" r:id="rId4"/>
     <p:sldId id="260" r:id="rId5"/>
-    <p:sldId id="257" r:id="rId6"/>
+    <p:sldId id="261" r:id="rId6"/>
+    <p:sldId id="262" r:id="rId7"/>
+    <p:sldId id="257" r:id="rId8"/>
   </p:sldIdLst>
   <p:sldSz cx="12192000" cy="6858000"/>
   <p:notesSz cx="6858000" cy="9144000"/>
@@ -127,793 +129,6 @@
 </p1510:revInfo>
 </file>
 
-<file path=ppt/changesInfos/changesInfo1.xml><?xml version="1.0" encoding="utf-8"?>
-<pc:chgInfo xmlns:a="http://schemas.openxmlformats.org/drawingml/2006/main" xmlns:r="http://schemas.openxmlformats.org/officeDocument/2006/relationships" xmlns:ac="http://schemas.microsoft.com/office/drawing/2013/main/command" xmlns:pc="http://schemas.microsoft.com/office/powerpoint/2013/main/command">
-  <pc:docChgLst>
-    <pc:chgData name="Yawad Sbihi" userId="e494ad0a76f3154a" providerId="LiveId" clId="{8591FDF2-EE32-4DF0-A17B-35B368201A49}"/>
-    <pc:docChg chg="undo redo custSel addSld delSld modSld sldOrd">
-      <pc:chgData name="Yawad Sbihi" userId="e494ad0a76f3154a" providerId="LiveId" clId="{8591FDF2-EE32-4DF0-A17B-35B368201A49}" dt="2024-11-24T13:09:53.579" v="2263" actId="20577"/>
-      <pc:docMkLst>
-        <pc:docMk/>
-      </pc:docMkLst>
-      <pc:sldChg chg="addSp delSp modSp new mod">
-        <pc:chgData name="Yawad Sbihi" userId="e494ad0a76f3154a" providerId="LiveId" clId="{8591FDF2-EE32-4DF0-A17B-35B368201A49}" dt="2024-11-24T00:55:50.953" v="1606" actId="790"/>
-        <pc:sldMkLst>
-          <pc:docMk/>
-          <pc:sldMk cId="4094828106" sldId="256"/>
-        </pc:sldMkLst>
-        <pc:spChg chg="del">
-          <ac:chgData name="Yawad Sbihi" userId="e494ad0a76f3154a" providerId="LiveId" clId="{8591FDF2-EE32-4DF0-A17B-35B368201A49}" dt="2024-11-23T15:13:08.013" v="8" actId="478"/>
-          <ac:spMkLst>
-            <pc:docMk/>
-            <pc:sldMk cId="4094828106" sldId="256"/>
-            <ac:spMk id="2" creationId="{913FC0A1-3E90-5263-BAA8-4E7AA91A21A8}"/>
-          </ac:spMkLst>
-        </pc:spChg>
-        <pc:spChg chg="del">
-          <ac:chgData name="Yawad Sbihi" userId="e494ad0a76f3154a" providerId="LiveId" clId="{8591FDF2-EE32-4DF0-A17B-35B368201A49}" dt="2024-11-23T15:13:08.988" v="9" actId="478"/>
-          <ac:spMkLst>
-            <pc:docMk/>
-            <pc:sldMk cId="4094828106" sldId="256"/>
-            <ac:spMk id="3" creationId="{6033F595-A8AF-BA33-A9BB-A9506151D507}"/>
-          </ac:spMkLst>
-        </pc:spChg>
-        <pc:spChg chg="add mod">
-          <ac:chgData name="Yawad Sbihi" userId="e494ad0a76f3154a" providerId="LiveId" clId="{8591FDF2-EE32-4DF0-A17B-35B368201A49}" dt="2024-11-23T15:17:28.643" v="122" actId="27636"/>
-          <ac:spMkLst>
-            <pc:docMk/>
-            <pc:sldMk cId="4094828106" sldId="256"/>
-            <ac:spMk id="6" creationId="{440EFB3A-D897-9FEB-78C0-11530A9789C7}"/>
-          </ac:spMkLst>
-        </pc:spChg>
-        <pc:spChg chg="add mod">
-          <ac:chgData name="Yawad Sbihi" userId="e494ad0a76f3154a" providerId="LiveId" clId="{8591FDF2-EE32-4DF0-A17B-35B368201A49}" dt="2024-11-24T00:55:50.953" v="1606" actId="790"/>
-          <ac:spMkLst>
-            <pc:docMk/>
-            <pc:sldMk cId="4094828106" sldId="256"/>
-            <ac:spMk id="8" creationId="{052E7A82-C30E-B5C5-F90C-2589CC8B5748}"/>
-          </ac:spMkLst>
-        </pc:spChg>
-        <pc:spChg chg="add mod">
-          <ac:chgData name="Yawad Sbihi" userId="e494ad0a76f3154a" providerId="LiveId" clId="{8591FDF2-EE32-4DF0-A17B-35B368201A49}" dt="2024-11-24T00:40:39.442" v="1514"/>
-          <ac:spMkLst>
-            <pc:docMk/>
-            <pc:sldMk cId="4094828106" sldId="256"/>
-            <ac:spMk id="9" creationId="{090BB86C-A78B-E2DC-9CCA-1C0E67584992}"/>
-          </ac:spMkLst>
-        </pc:spChg>
-        <pc:spChg chg="add mod">
-          <ac:chgData name="Yawad Sbihi" userId="e494ad0a76f3154a" providerId="LiveId" clId="{8591FDF2-EE32-4DF0-A17B-35B368201A49}" dt="2024-11-23T15:28:14.969" v="159" actId="1076"/>
-          <ac:spMkLst>
-            <pc:docMk/>
-            <pc:sldMk cId="4094828106" sldId="256"/>
-            <ac:spMk id="18" creationId="{12004DF9-7C97-2ABA-BB38-32BCB381A32C}"/>
-          </ac:spMkLst>
-        </pc:spChg>
-        <pc:spChg chg="add mod">
-          <ac:chgData name="Yawad Sbihi" userId="e494ad0a76f3154a" providerId="LiveId" clId="{8591FDF2-EE32-4DF0-A17B-35B368201A49}" dt="2024-11-23T19:23:22.439" v="752" actId="34135"/>
-          <ac:spMkLst>
-            <pc:docMk/>
-            <pc:sldMk cId="4094828106" sldId="256"/>
-            <ac:spMk id="19" creationId="{7215BCB8-0F54-DAFE-D67F-19F9A59B919D}"/>
-          </ac:spMkLst>
-        </pc:spChg>
-        <pc:grpChg chg="add mod">
-          <ac:chgData name="Yawad Sbihi" userId="e494ad0a76f3154a" providerId="LiveId" clId="{8591FDF2-EE32-4DF0-A17B-35B368201A49}" dt="2024-11-23T19:23:22.439" v="752" actId="34135"/>
-          <ac:grpSpMkLst>
-            <pc:docMk/>
-            <pc:sldMk cId="4094828106" sldId="256"/>
-            <ac:grpSpMk id="20" creationId="{01A8E48F-1D0C-34EC-B49F-3B27DB1AE144}"/>
-          </ac:grpSpMkLst>
-        </pc:grpChg>
-        <pc:picChg chg="add mod">
-          <ac:chgData name="Yawad Sbihi" userId="e494ad0a76f3154a" providerId="LiveId" clId="{8591FDF2-EE32-4DF0-A17B-35B368201A49}" dt="2024-11-23T15:10:56.253" v="7" actId="34135"/>
-          <ac:picMkLst>
-            <pc:docMk/>
-            <pc:sldMk cId="4094828106" sldId="256"/>
-            <ac:picMk id="5" creationId="{7EF3E5C8-B301-8F68-2ABC-788F9ADD37B9}"/>
-          </ac:picMkLst>
-        </pc:picChg>
-        <pc:picChg chg="add del mod">
-          <ac:chgData name="Yawad Sbihi" userId="e494ad0a76f3154a" providerId="LiveId" clId="{8591FDF2-EE32-4DF0-A17B-35B368201A49}" dt="2024-11-23T15:24:34.851" v="139" actId="478"/>
-          <ac:picMkLst>
-            <pc:docMk/>
-            <pc:sldMk cId="4094828106" sldId="256"/>
-            <ac:picMk id="11" creationId="{A5093C1B-E363-2946-9D8E-CB16B15BC4F7}"/>
-          </ac:picMkLst>
-        </pc:picChg>
-        <pc:picChg chg="add del mod">
-          <ac:chgData name="Yawad Sbihi" userId="e494ad0a76f3154a" providerId="LiveId" clId="{8591FDF2-EE32-4DF0-A17B-35B368201A49}" dt="2024-11-23T15:24:33.945" v="138" actId="478"/>
-          <ac:picMkLst>
-            <pc:docMk/>
-            <pc:sldMk cId="4094828106" sldId="256"/>
-            <ac:picMk id="13" creationId="{0D46DC5A-75B4-D5F4-1396-DE3B70FA46E7}"/>
-          </ac:picMkLst>
-        </pc:picChg>
-        <pc:picChg chg="add mod">
-          <ac:chgData name="Yawad Sbihi" userId="e494ad0a76f3154a" providerId="LiveId" clId="{8591FDF2-EE32-4DF0-A17B-35B368201A49}" dt="2024-11-23T15:26:00.322" v="147" actId="1076"/>
-          <ac:picMkLst>
-            <pc:docMk/>
-            <pc:sldMk cId="4094828106" sldId="256"/>
-            <ac:picMk id="15" creationId="{0445C8E9-C2C5-7448-1C43-D9D9D2889BE9}"/>
-          </ac:picMkLst>
-        </pc:picChg>
-        <pc:picChg chg="add mod">
-          <ac:chgData name="Yawad Sbihi" userId="e494ad0a76f3154a" providerId="LiveId" clId="{8591FDF2-EE32-4DF0-A17B-35B368201A49}" dt="2024-11-23T15:27:59.935" v="156" actId="14100"/>
-          <ac:picMkLst>
-            <pc:docMk/>
-            <pc:sldMk cId="4094828106" sldId="256"/>
-            <ac:picMk id="17" creationId="{4D9A3CD3-1059-D9E2-D533-71C8180B33EF}"/>
-          </ac:picMkLst>
-        </pc:picChg>
-        <pc:picChg chg="add mod">
-          <ac:chgData name="Yawad Sbihi" userId="e494ad0a76f3154a" providerId="LiveId" clId="{8591FDF2-EE32-4DF0-A17B-35B368201A49}" dt="2024-11-23T19:23:22.439" v="752" actId="34135"/>
-          <ac:picMkLst>
-            <pc:docMk/>
-            <pc:sldMk cId="4094828106" sldId="256"/>
-            <ac:picMk id="1026" creationId="{66F2FA81-832E-A708-F0DA-8E31A5A1DA8B}"/>
-          </ac:picMkLst>
-        </pc:picChg>
-      </pc:sldChg>
-      <pc:sldChg chg="addSp modSp add mod">
-        <pc:chgData name="Yawad Sbihi" userId="e494ad0a76f3154a" providerId="LiveId" clId="{8591FDF2-EE32-4DF0-A17B-35B368201A49}" dt="2024-11-24T00:40:39.442" v="1514"/>
-        <pc:sldMkLst>
-          <pc:docMk/>
-          <pc:sldMk cId="627023406" sldId="257"/>
-        </pc:sldMkLst>
-        <pc:spChg chg="mod">
-          <ac:chgData name="Yawad Sbihi" userId="e494ad0a76f3154a" providerId="LiveId" clId="{8591FDF2-EE32-4DF0-A17B-35B368201A49}" dt="2024-11-23T19:24:41.786" v="757"/>
-          <ac:spMkLst>
-            <pc:docMk/>
-            <pc:sldMk cId="627023406" sldId="257"/>
-            <ac:spMk id="3" creationId="{EC23B672-DEC0-1E70-3350-528BA236DF07}"/>
-          </ac:spMkLst>
-        </pc:spChg>
-        <pc:spChg chg="add mod">
-          <ac:chgData name="Yawad Sbihi" userId="e494ad0a76f3154a" providerId="LiveId" clId="{8591FDF2-EE32-4DF0-A17B-35B368201A49}" dt="2024-11-24T00:37:07.975" v="1505" actId="20577"/>
-          <ac:spMkLst>
-            <pc:docMk/>
-            <pc:sldMk cId="627023406" sldId="257"/>
-            <ac:spMk id="6" creationId="{4D233821-8C02-8627-9A5E-CB26CD0C7818}"/>
-          </ac:spMkLst>
-        </pc:spChg>
-        <pc:spChg chg="add mod">
-          <ac:chgData name="Yawad Sbihi" userId="e494ad0a76f3154a" providerId="LiveId" clId="{8591FDF2-EE32-4DF0-A17B-35B368201A49}" dt="2024-11-24T00:37:35.281" v="1512" actId="20577"/>
-          <ac:spMkLst>
-            <pc:docMk/>
-            <pc:sldMk cId="627023406" sldId="257"/>
-            <ac:spMk id="7" creationId="{47B6DD2F-414D-C0A5-EB3B-CBD7138DBDB9}"/>
-          </ac:spMkLst>
-        </pc:spChg>
-        <pc:spChg chg="add">
-          <ac:chgData name="Yawad Sbihi" userId="e494ad0a76f3154a" providerId="LiveId" clId="{8591FDF2-EE32-4DF0-A17B-35B368201A49}" dt="2024-11-24T00:40:39.442" v="1514"/>
-          <ac:spMkLst>
-            <pc:docMk/>
-            <pc:sldMk cId="627023406" sldId="257"/>
-            <ac:spMk id="8" creationId="{AB8DD87F-C316-5F98-DCFD-4F290F75BAF0}"/>
-          </ac:spMkLst>
-        </pc:spChg>
-        <pc:grpChg chg="add mod">
-          <ac:chgData name="Yawad Sbihi" userId="e494ad0a76f3154a" providerId="LiveId" clId="{8591FDF2-EE32-4DF0-A17B-35B368201A49}" dt="2024-11-23T19:24:41.786" v="757"/>
-          <ac:grpSpMkLst>
-            <pc:docMk/>
-            <pc:sldMk cId="627023406" sldId="257"/>
-            <ac:grpSpMk id="2" creationId="{AB148575-F387-FD0E-A784-95E3EB847F25}"/>
-          </ac:grpSpMkLst>
-        </pc:grpChg>
-        <pc:picChg chg="mod">
-          <ac:chgData name="Yawad Sbihi" userId="e494ad0a76f3154a" providerId="LiveId" clId="{8591FDF2-EE32-4DF0-A17B-35B368201A49}" dt="2024-11-23T19:24:41.786" v="757"/>
-          <ac:picMkLst>
-            <pc:docMk/>
-            <pc:sldMk cId="627023406" sldId="257"/>
-            <ac:picMk id="4" creationId="{B012C05B-11FD-15C2-0030-7DC3332A6355}"/>
-          </ac:picMkLst>
-        </pc:picChg>
-      </pc:sldChg>
-      <pc:sldChg chg="addSp delSp modSp add mod ord modAnim">
-        <pc:chgData name="Yawad Sbihi" userId="e494ad0a76f3154a" providerId="LiveId" clId="{8591FDF2-EE32-4DF0-A17B-35B368201A49}" dt="2024-11-24T01:15:11.072" v="2242"/>
-        <pc:sldMkLst>
-          <pc:docMk/>
-          <pc:sldMk cId="2241659150" sldId="258"/>
-        </pc:sldMkLst>
-        <pc:spChg chg="add mod">
-          <ac:chgData name="Yawad Sbihi" userId="e494ad0a76f3154a" providerId="LiveId" clId="{8591FDF2-EE32-4DF0-A17B-35B368201A49}" dt="2024-11-23T19:55:50.320" v="940" actId="20577"/>
-          <ac:spMkLst>
-            <pc:docMk/>
-            <pc:sldMk cId="2241659150" sldId="258"/>
-            <ac:spMk id="2" creationId="{C2276346-D724-01D4-4C6B-1C9A888DF6FF}"/>
-          </ac:spMkLst>
-        </pc:spChg>
-        <pc:spChg chg="add mod">
-          <ac:chgData name="Yawad Sbihi" userId="e494ad0a76f3154a" providerId="LiveId" clId="{8591FDF2-EE32-4DF0-A17B-35B368201A49}" dt="2024-11-23T19:56:01.202" v="941" actId="1076"/>
-          <ac:spMkLst>
-            <pc:docMk/>
-            <pc:sldMk cId="2241659150" sldId="258"/>
-            <ac:spMk id="3" creationId="{9B643F21-BB7E-C1EB-2885-9323C86B5F90}"/>
-          </ac:spMkLst>
-        </pc:spChg>
-        <pc:spChg chg="add mod">
-          <ac:chgData name="Yawad Sbihi" userId="e494ad0a76f3154a" providerId="LiveId" clId="{8591FDF2-EE32-4DF0-A17B-35B368201A49}" dt="2024-11-24T00:59:51.104" v="1622" actId="313"/>
-          <ac:spMkLst>
-            <pc:docMk/>
-            <pc:sldMk cId="2241659150" sldId="258"/>
-            <ac:spMk id="7" creationId="{4AC07060-ADDA-D61C-E4B7-04A855AF7AF5}"/>
-          </ac:spMkLst>
-        </pc:spChg>
-        <pc:spChg chg="add mod">
-          <ac:chgData name="Yawad Sbihi" userId="e494ad0a76f3154a" providerId="LiveId" clId="{8591FDF2-EE32-4DF0-A17B-35B368201A49}" dt="2024-11-23T19:56:35.756" v="965" actId="20577"/>
-          <ac:spMkLst>
-            <pc:docMk/>
-            <pc:sldMk cId="2241659150" sldId="258"/>
-            <ac:spMk id="10" creationId="{70AF113D-BBD6-0F4A-3FD3-7F319CC7EE31}"/>
-          </ac:spMkLst>
-        </pc:spChg>
-        <pc:spChg chg="add mod">
-          <ac:chgData name="Yawad Sbihi" userId="e494ad0a76f3154a" providerId="LiveId" clId="{8591FDF2-EE32-4DF0-A17B-35B368201A49}" dt="2024-11-23T19:59:24.981" v="990" actId="20577"/>
-          <ac:spMkLst>
-            <pc:docMk/>
-            <pc:sldMk cId="2241659150" sldId="258"/>
-            <ac:spMk id="13" creationId="{468D217C-DC58-8029-B1D8-568190B6E76A}"/>
-          </ac:spMkLst>
-        </pc:spChg>
-        <pc:spChg chg="add mod">
-          <ac:chgData name="Yawad Sbihi" userId="e494ad0a76f3154a" providerId="LiveId" clId="{8591FDF2-EE32-4DF0-A17B-35B368201A49}" dt="2024-11-23T19:57:15.445" v="967" actId="1076"/>
-          <ac:spMkLst>
-            <pc:docMk/>
-            <pc:sldMk cId="2241659150" sldId="258"/>
-            <ac:spMk id="14" creationId="{C7010583-FD56-0D35-88F0-42F7C547BD2E}"/>
-          </ac:spMkLst>
-        </pc:spChg>
-        <pc:spChg chg="add mod">
-          <ac:chgData name="Yawad Sbihi" userId="e494ad0a76f3154a" providerId="LiveId" clId="{8591FDF2-EE32-4DF0-A17B-35B368201A49}" dt="2024-11-24T01:15:11.072" v="2242"/>
-          <ac:spMkLst>
-            <pc:docMk/>
-            <pc:sldMk cId="2241659150" sldId="258"/>
-            <ac:spMk id="15" creationId="{93334104-A8B7-D44D-6F55-720AE78B1B9E}"/>
-          </ac:spMkLst>
-        </pc:spChg>
-        <pc:spChg chg="add mod">
-          <ac:chgData name="Yawad Sbihi" userId="e494ad0a76f3154a" providerId="LiveId" clId="{8591FDF2-EE32-4DF0-A17B-35B368201A49}" dt="2024-11-23T19:33:52.495" v="878" actId="1036"/>
-          <ac:spMkLst>
-            <pc:docMk/>
-            <pc:sldMk cId="2241659150" sldId="258"/>
-            <ac:spMk id="17" creationId="{A88D71F2-2DD3-0D13-34FA-F97438957737}"/>
-          </ac:spMkLst>
-        </pc:spChg>
-        <pc:spChg chg="add">
-          <ac:chgData name="Yawad Sbihi" userId="e494ad0a76f3154a" providerId="LiveId" clId="{8591FDF2-EE32-4DF0-A17B-35B368201A49}" dt="2024-11-23T19:24:07.325" v="753"/>
-          <ac:spMkLst>
-            <pc:docMk/>
-            <pc:sldMk cId="2241659150" sldId="258"/>
-            <ac:spMk id="20" creationId="{64502557-AB98-D3A4-B423-2D391253630B}"/>
-          </ac:spMkLst>
-        </pc:spChg>
-        <pc:spChg chg="mod">
-          <ac:chgData name="Yawad Sbihi" userId="e494ad0a76f3154a" providerId="LiveId" clId="{8591FDF2-EE32-4DF0-A17B-35B368201A49}" dt="2024-11-23T19:24:26.602" v="754"/>
-          <ac:spMkLst>
-            <pc:docMk/>
-            <pc:sldMk cId="2241659150" sldId="258"/>
-            <ac:spMk id="22" creationId="{FFBBF1CA-E8C0-7160-C901-C1FBA6AA5F51}"/>
-          </ac:spMkLst>
-        </pc:spChg>
-        <pc:spChg chg="add mod">
-          <ac:chgData name="Yawad Sbihi" userId="e494ad0a76f3154a" providerId="LiveId" clId="{8591FDF2-EE32-4DF0-A17B-35B368201A49}" dt="2024-11-24T00:59:42.591" v="1621" actId="790"/>
-          <ac:spMkLst>
-            <pc:docMk/>
-            <pc:sldMk cId="2241659150" sldId="258"/>
-            <ac:spMk id="2055" creationId="{AC86BA59-6471-F2FD-EAB1-FDC56896C3EC}"/>
-          </ac:spMkLst>
-        </pc:spChg>
-        <pc:spChg chg="add">
-          <ac:chgData name="Yawad Sbihi" userId="e494ad0a76f3154a" providerId="LiveId" clId="{8591FDF2-EE32-4DF0-A17B-35B368201A49}" dt="2024-11-24T00:40:39.442" v="1514"/>
-          <ac:spMkLst>
-            <pc:docMk/>
-            <pc:sldMk cId="2241659150" sldId="258"/>
-            <ac:spMk id="2057" creationId="{75A18145-7A17-CA7F-31F3-CAFAA98D5046}"/>
-          </ac:spMkLst>
-        </pc:spChg>
-        <pc:spChg chg="add mod">
-          <ac:chgData name="Yawad Sbihi" userId="e494ad0a76f3154a" providerId="LiveId" clId="{8591FDF2-EE32-4DF0-A17B-35B368201A49}" dt="2024-11-24T00:47:15.371" v="1604" actId="404"/>
-          <ac:spMkLst>
-            <pc:docMk/>
-            <pc:sldMk cId="2241659150" sldId="258"/>
-            <ac:spMk id="2059" creationId="{9B0BD3D4-A2F7-C833-EF69-93E0509ADBBC}"/>
-          </ac:spMkLst>
-        </pc:spChg>
-        <pc:grpChg chg="add mod">
-          <ac:chgData name="Yawad Sbihi" userId="e494ad0a76f3154a" providerId="LiveId" clId="{8591FDF2-EE32-4DF0-A17B-35B368201A49}" dt="2024-11-23T19:24:26.602" v="754"/>
-          <ac:grpSpMkLst>
-            <pc:docMk/>
-            <pc:sldMk cId="2241659150" sldId="258"/>
-            <ac:grpSpMk id="21" creationId="{E48D9214-E20F-AF51-3DF0-FEAEF6028046}"/>
-          </ac:grpSpMkLst>
-        </pc:grpChg>
-        <pc:grpChg chg="add mod">
-          <ac:chgData name="Yawad Sbihi" userId="e494ad0a76f3154a" providerId="LiveId" clId="{8591FDF2-EE32-4DF0-A17B-35B368201A49}" dt="2024-11-23T19:59:54.220" v="996" actId="1076"/>
-          <ac:grpSpMkLst>
-            <pc:docMk/>
-            <pc:sldMk cId="2241659150" sldId="258"/>
-            <ac:grpSpMk id="2056" creationId="{7E163609-7C90-8948-8D24-FB9BFFE9975C}"/>
-          </ac:grpSpMkLst>
-        </pc:grpChg>
-        <pc:picChg chg="add mod">
-          <ac:chgData name="Yawad Sbihi" userId="e494ad0a76f3154a" providerId="LiveId" clId="{8591FDF2-EE32-4DF0-A17B-35B368201A49}" dt="2024-11-23T17:15:00.140" v="398" actId="1076"/>
-          <ac:picMkLst>
-            <pc:docMk/>
-            <pc:sldMk cId="2241659150" sldId="258"/>
-            <ac:picMk id="6" creationId="{EFF68CFB-5E85-FD38-7FD8-A24DEAAA7398}"/>
-          </ac:picMkLst>
-        </pc:picChg>
-        <pc:picChg chg="add mod">
-          <ac:chgData name="Yawad Sbihi" userId="e494ad0a76f3154a" providerId="LiveId" clId="{8591FDF2-EE32-4DF0-A17B-35B368201A49}" dt="2024-11-23T15:41:24.169" v="355" actId="1076"/>
-          <ac:picMkLst>
-            <pc:docMk/>
-            <pc:sldMk cId="2241659150" sldId="258"/>
-            <ac:picMk id="9" creationId="{AAAA42E7-9B00-4594-CFC6-FD1E3ECB597C}"/>
-          </ac:picMkLst>
-        </pc:picChg>
-        <pc:picChg chg="add mod">
-          <ac:chgData name="Yawad Sbihi" userId="e494ad0a76f3154a" providerId="LiveId" clId="{8591FDF2-EE32-4DF0-A17B-35B368201A49}" dt="2024-11-23T17:15:19.322" v="399" actId="1076"/>
-          <ac:picMkLst>
-            <pc:docMk/>
-            <pc:sldMk cId="2241659150" sldId="258"/>
-            <ac:picMk id="12" creationId="{7181EB90-EEE4-5F75-2AC0-E184E7808EF9}"/>
-          </ac:picMkLst>
-        </pc:picChg>
-        <pc:picChg chg="add del mod">
-          <ac:chgData name="Yawad Sbihi" userId="e494ad0a76f3154a" providerId="LiveId" clId="{8591FDF2-EE32-4DF0-A17B-35B368201A49}" dt="2024-11-23T23:53:11.310" v="1036" actId="1076"/>
-          <ac:picMkLst>
-            <pc:docMk/>
-            <pc:sldMk cId="2241659150" sldId="258"/>
-            <ac:picMk id="19" creationId="{E60C717D-7DBE-7696-C6E9-759CDA495869}"/>
-          </ac:picMkLst>
-        </pc:picChg>
-        <pc:picChg chg="mod">
-          <ac:chgData name="Yawad Sbihi" userId="e494ad0a76f3154a" providerId="LiveId" clId="{8591FDF2-EE32-4DF0-A17B-35B368201A49}" dt="2024-11-23T19:24:26.602" v="754"/>
-          <ac:picMkLst>
-            <pc:docMk/>
-            <pc:sldMk cId="2241659150" sldId="258"/>
-            <ac:picMk id="23" creationId="{2525CA93-F519-DAF0-F590-226B99C7190B}"/>
-          </ac:picMkLst>
-        </pc:picChg>
-        <pc:picChg chg="add mod">
-          <ac:chgData name="Yawad Sbihi" userId="e494ad0a76f3154a" providerId="LiveId" clId="{8591FDF2-EE32-4DF0-A17B-35B368201A49}" dt="2024-11-23T19:33:52.495" v="878" actId="1036"/>
-          <ac:picMkLst>
-            <pc:docMk/>
-            <pc:sldMk cId="2241659150" sldId="258"/>
-            <ac:picMk id="25" creationId="{EA437CFD-4F7F-4D11-679F-A638CEE53F03}"/>
-          </ac:picMkLst>
-        </pc:picChg>
-        <pc:picChg chg="add mod">
-          <ac:chgData name="Yawad Sbihi" userId="e494ad0a76f3154a" providerId="LiveId" clId="{8591FDF2-EE32-4DF0-A17B-35B368201A49}" dt="2024-11-23T19:33:52.495" v="878" actId="1036"/>
-          <ac:picMkLst>
-            <pc:docMk/>
-            <pc:sldMk cId="2241659150" sldId="258"/>
-            <ac:picMk id="27" creationId="{C7A46C40-7DF1-9CD2-44B1-248783937DDF}"/>
-          </ac:picMkLst>
-        </pc:picChg>
-        <pc:picChg chg="add">
-          <ac:chgData name="Yawad Sbihi" userId="e494ad0a76f3154a" providerId="LiveId" clId="{8591FDF2-EE32-4DF0-A17B-35B368201A49}" dt="2024-11-23T19:24:07.325" v="753"/>
-          <ac:picMkLst>
-            <pc:docMk/>
-            <pc:sldMk cId="2241659150" sldId="258"/>
-            <ac:picMk id="2050" creationId="{7EC5C309-6F35-84EF-685A-9FA51D806048}"/>
-          </ac:picMkLst>
-        </pc:picChg>
-        <pc:picChg chg="add mod">
-          <ac:chgData name="Yawad Sbihi" userId="e494ad0a76f3154a" providerId="LiveId" clId="{8591FDF2-EE32-4DF0-A17B-35B368201A49}" dt="2024-11-23T19:59:40.350" v="994" actId="164"/>
-          <ac:picMkLst>
-            <pc:docMk/>
-            <pc:sldMk cId="2241659150" sldId="258"/>
-            <ac:picMk id="2054" creationId="{053A5709-CDA7-78E2-CB21-4B17EA4149D0}"/>
-          </ac:picMkLst>
-        </pc:picChg>
-        <pc:cxnChg chg="add mod">
-          <ac:chgData name="Yawad Sbihi" userId="e494ad0a76f3154a" providerId="LiveId" clId="{8591FDF2-EE32-4DF0-A17B-35B368201A49}" dt="2024-11-23T19:34:52.852" v="881" actId="208"/>
-          <ac:cxnSpMkLst>
-            <pc:docMk/>
-            <pc:sldMk cId="2241659150" sldId="258"/>
-            <ac:cxnSpMk id="29" creationId="{6A6572D7-59B9-7482-4B3F-664E6E08FC68}"/>
-          </ac:cxnSpMkLst>
-        </pc:cxnChg>
-        <pc:cxnChg chg="add mod">
-          <ac:chgData name="Yawad Sbihi" userId="e494ad0a76f3154a" providerId="LiveId" clId="{8591FDF2-EE32-4DF0-A17B-35B368201A49}" dt="2024-11-23T19:57:15.445" v="967" actId="1076"/>
-          <ac:cxnSpMkLst>
-            <pc:docMk/>
-            <pc:sldMk cId="2241659150" sldId="258"/>
-            <ac:cxnSpMk id="31" creationId="{64175165-9474-3A03-6252-FD1277CC7615}"/>
-          </ac:cxnSpMkLst>
-        </pc:cxnChg>
-        <pc:cxnChg chg="add mod">
-          <ac:chgData name="Yawad Sbihi" userId="e494ad0a76f3154a" providerId="LiveId" clId="{8591FDF2-EE32-4DF0-A17B-35B368201A49}" dt="2024-11-23T19:36:20.214" v="887" actId="14100"/>
-          <ac:cxnSpMkLst>
-            <pc:docMk/>
-            <pc:sldMk cId="2241659150" sldId="258"/>
-            <ac:cxnSpMk id="2049" creationId="{F5B40668-6C34-08C8-719C-13EE86365076}"/>
-          </ac:cxnSpMkLst>
-        </pc:cxnChg>
-      </pc:sldChg>
-      <pc:sldChg chg="addSp delSp modSp add mod ord">
-        <pc:chgData name="Yawad Sbihi" userId="e494ad0a76f3154a" providerId="LiveId" clId="{8591FDF2-EE32-4DF0-A17B-35B368201A49}" dt="2024-11-24T00:59:31.375" v="1620" actId="790"/>
-        <pc:sldMkLst>
-          <pc:docMk/>
-          <pc:sldMk cId="197288960" sldId="259"/>
-        </pc:sldMkLst>
-        <pc:spChg chg="mod">
-          <ac:chgData name="Yawad Sbihi" userId="e494ad0a76f3154a" providerId="LiveId" clId="{8591FDF2-EE32-4DF0-A17B-35B368201A49}" dt="2024-11-23T19:24:34.983" v="755"/>
-          <ac:spMkLst>
-            <pc:docMk/>
-            <pc:sldMk cId="197288960" sldId="259"/>
-            <ac:spMk id="3" creationId="{807B920E-BEA3-4F66-7313-D65E9770BA7C}"/>
-          </ac:spMkLst>
-        </pc:spChg>
-        <pc:spChg chg="add del mod">
-          <ac:chgData name="Yawad Sbihi" userId="e494ad0a76f3154a" providerId="LiveId" clId="{8591FDF2-EE32-4DF0-A17B-35B368201A49}" dt="2024-11-24T00:20:27.166" v="1311" actId="21"/>
-          <ac:spMkLst>
-            <pc:docMk/>
-            <pc:sldMk cId="197288960" sldId="259"/>
-            <ac:spMk id="6" creationId="{0043EA56-3D2A-9A2D-A3CE-6E29FE9F57DF}"/>
-          </ac:spMkLst>
-        </pc:spChg>
-        <pc:spChg chg="add del mod">
-          <ac:chgData name="Yawad Sbihi" userId="e494ad0a76f3154a" providerId="LiveId" clId="{8591FDF2-EE32-4DF0-A17B-35B368201A49}" dt="2024-11-23T20:09:35.395" v="1009" actId="478"/>
-          <ac:spMkLst>
-            <pc:docMk/>
-            <pc:sldMk cId="197288960" sldId="259"/>
-            <ac:spMk id="7" creationId="{D60916D4-7D31-841D-D82F-20BD3290A420}"/>
-          </ac:spMkLst>
-        </pc:spChg>
-        <pc:spChg chg="add del">
-          <ac:chgData name="Yawad Sbihi" userId="e494ad0a76f3154a" providerId="LiveId" clId="{8591FDF2-EE32-4DF0-A17B-35B368201A49}" dt="2024-11-23T20:04:22.180" v="998" actId="22"/>
-          <ac:spMkLst>
-            <pc:docMk/>
-            <pc:sldMk cId="197288960" sldId="259"/>
-            <ac:spMk id="9" creationId="{E6514793-53CA-DB64-6CB0-138B3750C09C}"/>
-          </ac:spMkLst>
-        </pc:spChg>
-        <pc:spChg chg="add mod">
-          <ac:chgData name="Yawad Sbihi" userId="e494ad0a76f3154a" providerId="LiveId" clId="{8591FDF2-EE32-4DF0-A17B-35B368201A49}" dt="2024-11-23T20:04:40.634" v="1008" actId="20577"/>
-          <ac:spMkLst>
-            <pc:docMk/>
-            <pc:sldMk cId="197288960" sldId="259"/>
-            <ac:spMk id="10" creationId="{AF2160B4-E1B5-A2D6-FA8B-972D7785DA7B}"/>
-          </ac:spMkLst>
-        </pc:spChg>
-        <pc:spChg chg="add mod">
-          <ac:chgData name="Yawad Sbihi" userId="e494ad0a76f3154a" providerId="LiveId" clId="{8591FDF2-EE32-4DF0-A17B-35B368201A49}" dt="2024-11-24T00:59:31.375" v="1620" actId="790"/>
-          <ac:spMkLst>
-            <pc:docMk/>
-            <pc:sldMk cId="197288960" sldId="259"/>
-            <ac:spMk id="11" creationId="{E769D822-0D52-91F1-FDA4-4A9F053E67E2}"/>
-          </ac:spMkLst>
-        </pc:spChg>
-        <pc:spChg chg="add mod">
-          <ac:chgData name="Yawad Sbihi" userId="e494ad0a76f3154a" providerId="LiveId" clId="{8591FDF2-EE32-4DF0-A17B-35B368201A49}" dt="2024-11-24T00:59:00.915" v="1615" actId="790"/>
-          <ac:spMkLst>
-            <pc:docMk/>
-            <pc:sldMk cId="197288960" sldId="259"/>
-            <ac:spMk id="22" creationId="{21E08B12-5FA7-2E89-2F20-DB4DD4EF51FF}"/>
-          </ac:spMkLst>
-        </pc:spChg>
-        <pc:spChg chg="add mod">
-          <ac:chgData name="Yawad Sbihi" userId="e494ad0a76f3154a" providerId="LiveId" clId="{8591FDF2-EE32-4DF0-A17B-35B368201A49}" dt="2024-11-24T00:20:13.030" v="1310" actId="122"/>
-          <ac:spMkLst>
-            <pc:docMk/>
-            <pc:sldMk cId="197288960" sldId="259"/>
-            <ac:spMk id="24" creationId="{CF702F28-63B6-ED9F-4A8B-C1D038D461B1}"/>
-          </ac:spMkLst>
-        </pc:spChg>
-        <pc:spChg chg="add mod">
-          <ac:chgData name="Yawad Sbihi" userId="e494ad0a76f3154a" providerId="LiveId" clId="{8591FDF2-EE32-4DF0-A17B-35B368201A49}" dt="2024-11-24T00:35:08.475" v="1467" actId="113"/>
-          <ac:spMkLst>
-            <pc:docMk/>
-            <pc:sldMk cId="197288960" sldId="259"/>
-            <ac:spMk id="25" creationId="{B9B77A81-3470-760A-9DA5-3A8BEB8ED737}"/>
-          </ac:spMkLst>
-        </pc:spChg>
-        <pc:spChg chg="add mod">
-          <ac:chgData name="Yawad Sbihi" userId="e494ad0a76f3154a" providerId="LiveId" clId="{8591FDF2-EE32-4DF0-A17B-35B368201A49}" dt="2024-11-24T00:35:12.251" v="1468" actId="113"/>
-          <ac:spMkLst>
-            <pc:docMk/>
-            <pc:sldMk cId="197288960" sldId="259"/>
-            <ac:spMk id="26" creationId="{DE226129-637E-4E28-3B5B-9046203C05AD}"/>
-          </ac:spMkLst>
-        </pc:spChg>
-        <pc:spChg chg="add mod">
-          <ac:chgData name="Yawad Sbihi" userId="e494ad0a76f3154a" providerId="LiveId" clId="{8591FDF2-EE32-4DF0-A17B-35B368201A49}" dt="2024-11-24T00:35:15.237" v="1469" actId="113"/>
-          <ac:spMkLst>
-            <pc:docMk/>
-            <pc:sldMk cId="197288960" sldId="259"/>
-            <ac:spMk id="27" creationId="{312B47D8-CADE-3DAC-38C3-447FA6E51DE6}"/>
-          </ac:spMkLst>
-        </pc:spChg>
-        <pc:spChg chg="add">
-          <ac:chgData name="Yawad Sbihi" userId="e494ad0a76f3154a" providerId="LiveId" clId="{8591FDF2-EE32-4DF0-A17B-35B368201A49}" dt="2024-11-24T00:40:39.442" v="1514"/>
-          <ac:spMkLst>
-            <pc:docMk/>
-            <pc:sldMk cId="197288960" sldId="259"/>
-            <ac:spMk id="34" creationId="{98E9F3A9-AA7E-F82E-D603-0E8163F17D3D}"/>
-          </ac:spMkLst>
-        </pc:spChg>
-        <pc:grpChg chg="add mod">
-          <ac:chgData name="Yawad Sbihi" userId="e494ad0a76f3154a" providerId="LiveId" clId="{8591FDF2-EE32-4DF0-A17B-35B368201A49}" dt="2024-11-23T19:24:34.983" v="755"/>
-          <ac:grpSpMkLst>
-            <pc:docMk/>
-            <pc:sldMk cId="197288960" sldId="259"/>
-            <ac:grpSpMk id="2" creationId="{1C1CD5BD-D32A-D850-02E0-FCB0C8E1F25C}"/>
-          </ac:grpSpMkLst>
-        </pc:grpChg>
-        <pc:grpChg chg="add mod">
-          <ac:chgData name="Yawad Sbihi" userId="e494ad0a76f3154a" providerId="LiveId" clId="{8591FDF2-EE32-4DF0-A17B-35B368201A49}" dt="2024-11-24T00:34:18.446" v="1465" actId="164"/>
-          <ac:grpSpMkLst>
-            <pc:docMk/>
-            <pc:sldMk cId="197288960" sldId="259"/>
-            <ac:grpSpMk id="32" creationId="{E05281E8-267D-51CF-7476-8AA739B80FD5}"/>
-          </ac:grpSpMkLst>
-        </pc:grpChg>
-        <pc:grpChg chg="add mod">
-          <ac:chgData name="Yawad Sbihi" userId="e494ad0a76f3154a" providerId="LiveId" clId="{8591FDF2-EE32-4DF0-A17B-35B368201A49}" dt="2024-11-24T00:34:23.180" v="1466" actId="1076"/>
-          <ac:grpSpMkLst>
-            <pc:docMk/>
-            <pc:sldMk cId="197288960" sldId="259"/>
-            <ac:grpSpMk id="33" creationId="{B0E3F58F-2159-21F6-62F1-C2F639950BC6}"/>
-          </ac:grpSpMkLst>
-        </pc:grpChg>
-        <pc:picChg chg="mod">
-          <ac:chgData name="Yawad Sbihi" userId="e494ad0a76f3154a" providerId="LiveId" clId="{8591FDF2-EE32-4DF0-A17B-35B368201A49}" dt="2024-11-23T19:24:34.983" v="755"/>
-          <ac:picMkLst>
-            <pc:docMk/>
-            <pc:sldMk cId="197288960" sldId="259"/>
-            <ac:picMk id="4" creationId="{97625FD0-6AE3-007B-B9AC-5ECC93CCC4AC}"/>
-          </ac:picMkLst>
-        </pc:picChg>
-        <pc:picChg chg="add del mod">
-          <ac:chgData name="Yawad Sbihi" userId="e494ad0a76f3154a" providerId="LiveId" clId="{8591FDF2-EE32-4DF0-A17B-35B368201A49}" dt="2024-11-23T23:53:55.477" v="1041" actId="478"/>
-          <ac:picMkLst>
-            <pc:docMk/>
-            <pc:sldMk cId="197288960" sldId="259"/>
-            <ac:picMk id="13" creationId="{1171193E-F9FA-B037-0DD6-5BAB976FE934}"/>
-          </ac:picMkLst>
-        </pc:picChg>
-        <pc:picChg chg="add mod">
-          <ac:chgData name="Yawad Sbihi" userId="e494ad0a76f3154a" providerId="LiveId" clId="{8591FDF2-EE32-4DF0-A17B-35B368201A49}" dt="2024-11-24T00:07:31.850" v="1066" actId="1076"/>
-          <ac:picMkLst>
-            <pc:docMk/>
-            <pc:sldMk cId="197288960" sldId="259"/>
-            <ac:picMk id="14" creationId="{07CCC0AE-69E6-773C-68C5-76C32A2D10C4}"/>
-          </ac:picMkLst>
-        </pc:picChg>
-        <pc:picChg chg="add mod">
-          <ac:chgData name="Yawad Sbihi" userId="e494ad0a76f3154a" providerId="LiveId" clId="{8591FDF2-EE32-4DF0-A17B-35B368201A49}" dt="2024-11-24T00:08:44.547" v="1080" actId="12788"/>
-          <ac:picMkLst>
-            <pc:docMk/>
-            <pc:sldMk cId="197288960" sldId="259"/>
-            <ac:picMk id="16" creationId="{BE487D83-86F3-D164-2B39-ED55F2CE97B2}"/>
-          </ac:picMkLst>
-        </pc:picChg>
-        <pc:picChg chg="add mod">
-          <ac:chgData name="Yawad Sbihi" userId="e494ad0a76f3154a" providerId="LiveId" clId="{8591FDF2-EE32-4DF0-A17B-35B368201A49}" dt="2024-11-24T00:18:15.226" v="1202" actId="1076"/>
-          <ac:picMkLst>
-            <pc:docMk/>
-            <pc:sldMk cId="197288960" sldId="259"/>
-            <ac:picMk id="18" creationId="{4F46326A-6B18-5259-C64E-CA815899FEDD}"/>
-          </ac:picMkLst>
-        </pc:picChg>
-        <pc:picChg chg="add mod">
-          <ac:chgData name="Yawad Sbihi" userId="e494ad0a76f3154a" providerId="LiveId" clId="{8591FDF2-EE32-4DF0-A17B-35B368201A49}" dt="2024-11-23T23:52:20.592" v="1026"/>
-          <ac:picMkLst>
-            <pc:docMk/>
-            <pc:sldMk cId="197288960" sldId="259"/>
-            <ac:picMk id="19" creationId="{E60C717D-7DBE-7696-C6E9-759CDA495869}"/>
-          </ac:picMkLst>
-        </pc:picChg>
-        <pc:picChg chg="add mod">
-          <ac:chgData name="Yawad Sbihi" userId="e494ad0a76f3154a" providerId="LiveId" clId="{8591FDF2-EE32-4DF0-A17B-35B368201A49}" dt="2024-11-24T00:34:18.446" v="1465" actId="164"/>
-          <ac:picMkLst>
-            <pc:docMk/>
-            <pc:sldMk cId="197288960" sldId="259"/>
-            <ac:picMk id="21" creationId="{C525F45C-D5D8-A873-11FB-DCD48C97C68C}"/>
-          </ac:picMkLst>
-        </pc:picChg>
-        <pc:picChg chg="add mod">
-          <ac:chgData name="Yawad Sbihi" userId="e494ad0a76f3154a" providerId="LiveId" clId="{8591FDF2-EE32-4DF0-A17B-35B368201A49}" dt="2024-11-24T00:17:49.991" v="1199"/>
-          <ac:picMkLst>
-            <pc:docMk/>
-            <pc:sldMk cId="197288960" sldId="259"/>
-            <ac:picMk id="23" creationId="{799F1248-EF7F-6208-1F2C-809BC20F29BD}"/>
-          </ac:picMkLst>
-        </pc:picChg>
-        <pc:cxnChg chg="add mod">
-          <ac:chgData name="Yawad Sbihi" userId="e494ad0a76f3154a" providerId="LiveId" clId="{8591FDF2-EE32-4DF0-A17B-35B368201A49}" dt="2024-11-24T00:34:05.170" v="1463" actId="164"/>
-          <ac:cxnSpMkLst>
-            <pc:docMk/>
-            <pc:sldMk cId="197288960" sldId="259"/>
-            <ac:cxnSpMk id="29" creationId="{74A2CB8F-F622-CD83-31B6-0D5AF41FA2A7}"/>
-          </ac:cxnSpMkLst>
-        </pc:cxnChg>
-        <pc:cxnChg chg="add mod">
-          <ac:chgData name="Yawad Sbihi" userId="e494ad0a76f3154a" providerId="LiveId" clId="{8591FDF2-EE32-4DF0-A17B-35B368201A49}" dt="2024-11-24T00:34:05.170" v="1463" actId="164"/>
-          <ac:cxnSpMkLst>
-            <pc:docMk/>
-            <pc:sldMk cId="197288960" sldId="259"/>
-            <ac:cxnSpMk id="31" creationId="{266C1C95-39C1-82DB-3616-D205EC3E1CAE}"/>
-          </ac:cxnSpMkLst>
-        </pc:cxnChg>
-      </pc:sldChg>
-      <pc:sldChg chg="addSp modSp add mod ord">
-        <pc:chgData name="Yawad Sbihi" userId="e494ad0a76f3154a" providerId="LiveId" clId="{8591FDF2-EE32-4DF0-A17B-35B368201A49}" dt="2024-11-24T13:09:53.579" v="2263" actId="20577"/>
-        <pc:sldMkLst>
-          <pc:docMk/>
-          <pc:sldMk cId="1079712823" sldId="260"/>
-        </pc:sldMkLst>
-        <pc:spChg chg="mod">
-          <ac:chgData name="Yawad Sbihi" userId="e494ad0a76f3154a" providerId="LiveId" clId="{8591FDF2-EE32-4DF0-A17B-35B368201A49}" dt="2024-11-24T00:55:34.384" v="1605" actId="790"/>
-          <ac:spMkLst>
-            <pc:docMk/>
-            <pc:sldMk cId="1079712823" sldId="260"/>
-            <ac:spMk id="3" creationId="{6D0086F0-789F-B3BB-AF62-6CAB45FD1EF8}"/>
-          </ac:spMkLst>
-        </pc:spChg>
-        <pc:spChg chg="add mod">
-          <ac:chgData name="Yawad Sbihi" userId="e494ad0a76f3154a" providerId="LiveId" clId="{8591FDF2-EE32-4DF0-A17B-35B368201A49}" dt="2024-11-24T13:09:53.579" v="2263" actId="20577"/>
-          <ac:spMkLst>
-            <pc:docMk/>
-            <pc:sldMk cId="1079712823" sldId="260"/>
-            <ac:spMk id="6" creationId="{0043EA56-3D2A-9A2D-A3CE-6E29FE9F57DF}"/>
-          </ac:spMkLst>
-        </pc:spChg>
-        <pc:spChg chg="add mod">
-          <ac:chgData name="Yawad Sbihi" userId="e494ad0a76f3154a" providerId="LiveId" clId="{8591FDF2-EE32-4DF0-A17B-35B368201A49}" dt="2024-11-24T00:36:05.842" v="1495" actId="20577"/>
-          <ac:spMkLst>
-            <pc:docMk/>
-            <pc:sldMk cId="1079712823" sldId="260"/>
-            <ac:spMk id="7" creationId="{C6AE5E77-7C0C-764A-FC13-6A230B98E05A}"/>
-          </ac:spMkLst>
-        </pc:spChg>
-        <pc:spChg chg="add">
-          <ac:chgData name="Yawad Sbihi" userId="e494ad0a76f3154a" providerId="LiveId" clId="{8591FDF2-EE32-4DF0-A17B-35B368201A49}" dt="2024-11-24T00:40:39.442" v="1514"/>
-          <ac:spMkLst>
-            <pc:docMk/>
-            <pc:sldMk cId="1079712823" sldId="260"/>
-            <ac:spMk id="8" creationId="{86D330DA-8D7D-7352-04D1-CA071A6AFB18}"/>
-          </ac:spMkLst>
-        </pc:spChg>
-        <pc:spChg chg="add mod">
-          <ac:chgData name="Yawad Sbihi" userId="e494ad0a76f3154a" providerId="LiveId" clId="{8591FDF2-EE32-4DF0-A17B-35B368201A49}" dt="2024-11-24T01:10:27.772" v="2226" actId="113"/>
-          <ac:spMkLst>
-            <pc:docMk/>
-            <pc:sldMk cId="1079712823" sldId="260"/>
-            <ac:spMk id="10" creationId="{1A28DF21-E885-9E27-469B-1DA8CF38B44F}"/>
-          </ac:spMkLst>
-        </pc:spChg>
-        <pc:spChg chg="add mod">
-          <ac:chgData name="Yawad Sbihi" userId="e494ad0a76f3154a" providerId="LiveId" clId="{8591FDF2-EE32-4DF0-A17B-35B368201A49}" dt="2024-11-24T01:05:04.899" v="1810" actId="164"/>
-          <ac:spMkLst>
-            <pc:docMk/>
-            <pc:sldMk cId="1079712823" sldId="260"/>
-            <ac:spMk id="11" creationId="{99FC23E1-82B6-5698-0B5F-C68B1A523353}"/>
-          </ac:spMkLst>
-        </pc:spChg>
-        <pc:spChg chg="add mod">
-          <ac:chgData name="Yawad Sbihi" userId="e494ad0a76f3154a" providerId="LiveId" clId="{8591FDF2-EE32-4DF0-A17B-35B368201A49}" dt="2024-11-24T01:10:50.379" v="2231" actId="113"/>
-          <ac:spMkLst>
-            <pc:docMk/>
-            <pc:sldMk cId="1079712823" sldId="260"/>
-            <ac:spMk id="13" creationId="{898B67BC-343F-F80F-B130-339B64724941}"/>
-          </ac:spMkLst>
-        </pc:spChg>
-        <pc:spChg chg="add mod">
-          <ac:chgData name="Yawad Sbihi" userId="e494ad0a76f3154a" providerId="LiveId" clId="{8591FDF2-EE32-4DF0-A17B-35B368201A49}" dt="2024-11-24T01:17:43.395" v="2262" actId="1038"/>
-          <ac:spMkLst>
-            <pc:docMk/>
-            <pc:sldMk cId="1079712823" sldId="260"/>
-            <ac:spMk id="14" creationId="{304AED2F-6352-FDBF-E805-AFE9EBB4BAA5}"/>
-          </ac:spMkLst>
-        </pc:spChg>
-        <pc:grpChg chg="add mod">
-          <ac:chgData name="Yawad Sbihi" userId="e494ad0a76f3154a" providerId="LiveId" clId="{8591FDF2-EE32-4DF0-A17B-35B368201A49}" dt="2024-11-23T19:24:39.316" v="756"/>
-          <ac:grpSpMkLst>
-            <pc:docMk/>
-            <pc:sldMk cId="1079712823" sldId="260"/>
-            <ac:grpSpMk id="2" creationId="{D465FE89-7BB4-F6C9-0385-9DADA72F1AFE}"/>
-          </ac:grpSpMkLst>
-        </pc:grpChg>
-        <pc:grpChg chg="add mod">
-          <ac:chgData name="Yawad Sbihi" userId="e494ad0a76f3154a" providerId="LiveId" clId="{8591FDF2-EE32-4DF0-A17B-35B368201A49}" dt="2024-11-24T01:05:21.781" v="1815" actId="1076"/>
-          <ac:grpSpMkLst>
-            <pc:docMk/>
-            <pc:sldMk cId="1079712823" sldId="260"/>
-            <ac:grpSpMk id="12" creationId="{405312CB-E914-4197-C559-73C5202314A3}"/>
-          </ac:grpSpMkLst>
-        </pc:grpChg>
-        <pc:grpChg chg="add mod">
-          <ac:chgData name="Yawad Sbihi" userId="e494ad0a76f3154a" providerId="LiveId" clId="{8591FDF2-EE32-4DF0-A17B-35B368201A49}" dt="2024-11-24T01:17:17.276" v="2244" actId="14100"/>
-          <ac:grpSpMkLst>
-            <pc:docMk/>
-            <pc:sldMk cId="1079712823" sldId="260"/>
-            <ac:grpSpMk id="15" creationId="{40CA0E77-8730-F1E7-0F9D-EEA9816EB1EC}"/>
-          </ac:grpSpMkLst>
-        </pc:grpChg>
-        <pc:picChg chg="mod">
-          <ac:chgData name="Yawad Sbihi" userId="e494ad0a76f3154a" providerId="LiveId" clId="{8591FDF2-EE32-4DF0-A17B-35B368201A49}" dt="2024-11-23T19:24:39.316" v="756"/>
-          <ac:picMkLst>
-            <pc:docMk/>
-            <pc:sldMk cId="1079712823" sldId="260"/>
-            <ac:picMk id="4" creationId="{FFBCCCBA-D4D4-35F9-60B2-4CE1C2CAC375}"/>
-          </ac:picMkLst>
-        </pc:picChg>
-        <pc:picChg chg="add mod">
-          <ac:chgData name="Yawad Sbihi" userId="e494ad0a76f3154a" providerId="LiveId" clId="{8591FDF2-EE32-4DF0-A17B-35B368201A49}" dt="2024-11-24T01:11:42.876" v="2235" actId="207"/>
-          <ac:picMkLst>
-            <pc:docMk/>
-            <pc:sldMk cId="1079712823" sldId="260"/>
-            <ac:picMk id="17" creationId="{D0FECD78-91EC-BD66-A1EE-AEFAF804A7D0}"/>
-          </ac:picMkLst>
-        </pc:picChg>
-        <pc:picChg chg="add mod">
-          <ac:chgData name="Yawad Sbihi" userId="e494ad0a76f3154a" providerId="LiveId" clId="{8591FDF2-EE32-4DF0-A17B-35B368201A49}" dt="2024-11-24T01:12:52.115" v="2240" actId="208"/>
-          <ac:picMkLst>
-            <pc:docMk/>
-            <pc:sldMk cId="1079712823" sldId="260"/>
-            <ac:picMk id="19" creationId="{E22A515A-5EC9-0BC8-DADF-83EC5967659A}"/>
-          </ac:picMkLst>
-        </pc:picChg>
-      </pc:sldChg>
-      <pc:sldChg chg="new del">
-        <pc:chgData name="Yawad Sbihi" userId="e494ad0a76f3154a" providerId="LiveId" clId="{8591FDF2-EE32-4DF0-A17B-35B368201A49}" dt="2024-11-24T00:37:31.637" v="1508" actId="2696"/>
-        <pc:sldMkLst>
-          <pc:docMk/>
-          <pc:sldMk cId="2419754112" sldId="261"/>
-        </pc:sldMkLst>
-      </pc:sldChg>
-      <pc:sldChg chg="add del">
-        <pc:chgData name="Yawad Sbihi" userId="e494ad0a76f3154a" providerId="LiveId" clId="{8591FDF2-EE32-4DF0-A17B-35B368201A49}" dt="2024-11-23T15:31:26.777" v="163" actId="2696"/>
-        <pc:sldMkLst>
-          <pc:docMk/>
-          <pc:sldMk cId="3887194791" sldId="261"/>
-        </pc:sldMkLst>
-      </pc:sldChg>
-      <pc:sldChg chg="add del">
-        <pc:chgData name="Yawad Sbihi" userId="e494ad0a76f3154a" providerId="LiveId" clId="{8591FDF2-EE32-4DF0-A17B-35B368201A49}" dt="2024-11-24T00:36:39.556" v="1497" actId="2696"/>
-        <pc:sldMkLst>
-          <pc:docMk/>
-          <pc:sldMk cId="3216195512" sldId="262"/>
-        </pc:sldMkLst>
-      </pc:sldChg>
-      <pc:sldChg chg="add del">
-        <pc:chgData name="Yawad Sbihi" userId="e494ad0a76f3154a" providerId="LiveId" clId="{8591FDF2-EE32-4DF0-A17B-35B368201A49}" dt="2024-11-24T00:36:34.883" v="1496" actId="2696"/>
-        <pc:sldMkLst>
-          <pc:docMk/>
-          <pc:sldMk cId="556265471" sldId="2147476662"/>
-        </pc:sldMkLst>
-      </pc:sldChg>
-      <pc:sldChg chg="new del">
-        <pc:chgData name="Yawad Sbihi" userId="e494ad0a76f3154a" providerId="LiveId" clId="{8591FDF2-EE32-4DF0-A17B-35B368201A49}" dt="2024-11-24T00:20:37.896" v="1313" actId="2696"/>
-        <pc:sldMkLst>
-          <pc:docMk/>
-          <pc:sldMk cId="811013112" sldId="2147476663"/>
-        </pc:sldMkLst>
-      </pc:sldChg>
-      <pc:sldMasterChg chg="delSldLayout">
-        <pc:chgData name="Yawad Sbihi" userId="e494ad0a76f3154a" providerId="LiveId" clId="{8591FDF2-EE32-4DF0-A17B-35B368201A49}" dt="2024-11-24T00:36:34.883" v="1496" actId="2696"/>
-        <pc:sldMasterMkLst>
-          <pc:docMk/>
-          <pc:sldMasterMk cId="810414640" sldId="2147483648"/>
-        </pc:sldMasterMkLst>
-        <pc:sldLayoutChg chg="del">
-          <pc:chgData name="Yawad Sbihi" userId="e494ad0a76f3154a" providerId="LiveId" clId="{8591FDF2-EE32-4DF0-A17B-35B368201A49}" dt="2024-11-24T00:36:34.883" v="1496" actId="2696"/>
-          <pc:sldLayoutMkLst>
-            <pc:docMk/>
-            <pc:sldMasterMk cId="810414640" sldId="2147483648"/>
-            <pc:sldLayoutMk cId="3915732212" sldId="2147483660"/>
-          </pc:sldLayoutMkLst>
-        </pc:sldLayoutChg>
-      </pc:sldMasterChg>
-    </pc:docChg>
-  </pc:docChgLst>
-</pc:chgInfo>
-</file>
-
 <file path=ppt/notesMasters/notesMaster1.xml><?xml version="1.0" encoding="utf-8"?>
 <p:notesMaster xmlns:a="http://schemas.openxmlformats.org/drawingml/2006/main" xmlns:r="http://schemas.openxmlformats.org/officeDocument/2006/relationships" xmlns:p="http://schemas.openxmlformats.org/presentationml/2006/main">
   <p:cSld>
@@ -996,7 +211,7 @@
           <a:p>
             <a:fld id="{13E173CB-46FA-4677-BA1B-617D04D70986}" type="datetimeFigureOut">
               <a:rPr lang="en-US" smtClean="0"/>
-              <a:t>11/24/2024</a:t>
+              <a:t>11/24/24</a:t>
             </a:fld>
             <a:endParaRPr lang="en-US"/>
           </a:p>
@@ -1154,7 +369,7 @@
           <a:p>
             <a:fld id="{30E73E37-FF33-410E-B029-C8005471E867}" type="slidenum">
               <a:rPr lang="en-US" smtClean="0"/>
-              <a:t>‹#›</a:t>
+              <a:t>‹Nº›</a:t>
             </a:fld>
             <a:endParaRPr lang="en-US"/>
           </a:p>
@@ -1410,7 +625,7 @@
           <a:p>
             <a:fld id="{120B9E06-1DBF-4F40-8A21-66C0185F8968}" type="datetime1">
               <a:rPr lang="en-US" smtClean="0"/>
-              <a:t>11/24/2024</a:t>
+              <a:t>11/24/24</a:t>
             </a:fld>
             <a:endParaRPr lang="en-US"/>
           </a:p>
@@ -1467,7 +682,7 @@
           <a:p>
             <a:fld id="{5EF987E6-3CF5-4CE7-BE19-7B52E9204BF0}" type="slidenum">
               <a:rPr lang="en-US" smtClean="0"/>
-              <a:t>‹#›</a:t>
+              <a:t>‹Nº›</a:t>
             </a:fld>
             <a:endParaRPr lang="en-US"/>
           </a:p>
@@ -1611,7 +826,7 @@
           <a:p>
             <a:fld id="{2CDE9C0F-1FAD-47E6-BB38-4EDF55CFAA9E}" type="datetime1">
               <a:rPr lang="en-US" smtClean="0"/>
-              <a:t>11/24/2024</a:t>
+              <a:t>11/24/24</a:t>
             </a:fld>
             <a:endParaRPr lang="en-US"/>
           </a:p>
@@ -1668,7 +883,7 @@
           <a:p>
             <a:fld id="{5EF987E6-3CF5-4CE7-BE19-7B52E9204BF0}" type="slidenum">
               <a:rPr lang="en-US" smtClean="0"/>
-              <a:t>‹#›</a:t>
+              <a:t>‹Nº›</a:t>
             </a:fld>
             <a:endParaRPr lang="en-US"/>
           </a:p>
@@ -1822,7 +1037,7 @@
           <a:p>
             <a:fld id="{111A0C13-9B5A-4590-B36B-1453A3ED48DE}" type="datetime1">
               <a:rPr lang="en-US" smtClean="0"/>
-              <a:t>11/24/2024</a:t>
+              <a:t>11/24/24</a:t>
             </a:fld>
             <a:endParaRPr lang="en-US"/>
           </a:p>
@@ -1879,7 +1094,7 @@
           <a:p>
             <a:fld id="{5EF987E6-3CF5-4CE7-BE19-7B52E9204BF0}" type="slidenum">
               <a:rPr lang="en-US" smtClean="0"/>
-              <a:t>‹#›</a:t>
+              <a:t>‹Nº›</a:t>
             </a:fld>
             <a:endParaRPr lang="en-US"/>
           </a:p>
@@ -2023,7 +1238,7 @@
           <a:p>
             <a:fld id="{C89BC353-FF52-4491-A51D-6A0D469A6F54}" type="datetime1">
               <a:rPr lang="en-US" smtClean="0"/>
-              <a:t>11/24/2024</a:t>
+              <a:t>11/24/24</a:t>
             </a:fld>
             <a:endParaRPr lang="en-US"/>
           </a:p>
@@ -2080,7 +1295,7 @@
           <a:p>
             <a:fld id="{5EF987E6-3CF5-4CE7-BE19-7B52E9204BF0}" type="slidenum">
               <a:rPr lang="en-US" smtClean="0"/>
-              <a:t>‹#›</a:t>
+              <a:t>‹Nº›</a:t>
             </a:fld>
             <a:endParaRPr lang="en-US"/>
           </a:p>
@@ -2301,7 +1516,7 @@
           <a:p>
             <a:fld id="{B1091295-2E95-4455-9123-D7B30660F9D1}" type="datetime1">
               <a:rPr lang="en-US" smtClean="0"/>
-              <a:t>11/24/2024</a:t>
+              <a:t>11/24/24</a:t>
             </a:fld>
             <a:endParaRPr lang="en-US"/>
           </a:p>
@@ -2358,7 +1573,7 @@
           <a:p>
             <a:fld id="{5EF987E6-3CF5-4CE7-BE19-7B52E9204BF0}" type="slidenum">
               <a:rPr lang="en-US" smtClean="0"/>
-              <a:t>‹#›</a:t>
+              <a:t>‹Nº›</a:t>
             </a:fld>
             <a:endParaRPr lang="en-US"/>
           </a:p>
@@ -2569,7 +1784,7 @@
           <a:p>
             <a:fld id="{D4A9979B-73C5-4DDA-9EDC-A69889FD7C92}" type="datetime1">
               <a:rPr lang="en-US" smtClean="0"/>
-              <a:t>11/24/2024</a:t>
+              <a:t>11/24/24</a:t>
             </a:fld>
             <a:endParaRPr lang="en-US"/>
           </a:p>
@@ -2626,7 +1841,7 @@
           <a:p>
             <a:fld id="{5EF987E6-3CF5-4CE7-BE19-7B52E9204BF0}" type="slidenum">
               <a:rPr lang="en-US" smtClean="0"/>
-              <a:t>‹#›</a:t>
+              <a:t>‹Nº›</a:t>
             </a:fld>
             <a:endParaRPr lang="en-US"/>
           </a:p>
@@ -2984,7 +2199,7 @@
           <a:p>
             <a:fld id="{F605EA93-82AE-4AD7-9745-420E85F1D42C}" type="datetime1">
               <a:rPr lang="en-US" smtClean="0"/>
-              <a:t>11/24/2024</a:t>
+              <a:t>11/24/24</a:t>
             </a:fld>
             <a:endParaRPr lang="en-US"/>
           </a:p>
@@ -3041,7 +2256,7 @@
           <a:p>
             <a:fld id="{5EF987E6-3CF5-4CE7-BE19-7B52E9204BF0}" type="slidenum">
               <a:rPr lang="en-US" smtClean="0"/>
-              <a:t>‹#›</a:t>
+              <a:t>‹Nº›</a:t>
             </a:fld>
             <a:endParaRPr lang="en-US"/>
           </a:p>
@@ -3128,7 +2343,7 @@
           <a:p>
             <a:fld id="{2A061AB3-410C-47D8-A5E2-D62B77595C03}" type="datetime1">
               <a:rPr lang="en-US" smtClean="0"/>
-              <a:t>11/24/2024</a:t>
+              <a:t>11/24/24</a:t>
             </a:fld>
             <a:endParaRPr lang="en-US"/>
           </a:p>
@@ -3185,7 +2400,7 @@
           <a:p>
             <a:fld id="{5EF987E6-3CF5-4CE7-BE19-7B52E9204BF0}" type="slidenum">
               <a:rPr lang="en-US" smtClean="0"/>
-              <a:t>‹#›</a:t>
+              <a:t>‹Nº›</a:t>
             </a:fld>
             <a:endParaRPr lang="en-US"/>
           </a:p>
@@ -3244,7 +2459,7 @@
           <a:p>
             <a:fld id="{5C63E9B5-0774-4083-AAE7-ABFD886CE3BB}" type="datetime1">
               <a:rPr lang="en-US" smtClean="0"/>
-              <a:t>11/24/2024</a:t>
+              <a:t>11/24/24</a:t>
             </a:fld>
             <a:endParaRPr lang="en-US"/>
           </a:p>
@@ -3301,7 +2516,7 @@
           <a:p>
             <a:fld id="{5EF987E6-3CF5-4CE7-BE19-7B52E9204BF0}" type="slidenum">
               <a:rPr lang="en-US" smtClean="0"/>
-              <a:t>‹#›</a:t>
+              <a:t>‹Nº›</a:t>
             </a:fld>
             <a:endParaRPr lang="en-US"/>
           </a:p>
@@ -3558,7 +2773,7 @@
           <a:p>
             <a:fld id="{0FCAD658-539A-4B32-B4E9-453B576B8943}" type="datetime1">
               <a:rPr lang="en-US" smtClean="0"/>
-              <a:t>11/24/2024</a:t>
+              <a:t>11/24/24</a:t>
             </a:fld>
             <a:endParaRPr lang="en-US"/>
           </a:p>
@@ -3615,7 +2830,7 @@
           <a:p>
             <a:fld id="{5EF987E6-3CF5-4CE7-BE19-7B52E9204BF0}" type="slidenum">
               <a:rPr lang="en-US" smtClean="0"/>
-              <a:t>‹#›</a:t>
+              <a:t>‹Nº›</a:t>
             </a:fld>
             <a:endParaRPr lang="en-US"/>
           </a:p>
@@ -3849,7 +3064,7 @@
           <a:p>
             <a:fld id="{9D057F7E-B7C0-45B4-8C39-9CEBDECE899F}" type="datetime1">
               <a:rPr lang="en-US" smtClean="0"/>
-              <a:t>11/24/2024</a:t>
+              <a:t>11/24/24</a:t>
             </a:fld>
             <a:endParaRPr lang="en-US"/>
           </a:p>
@@ -3906,7 +3121,7 @@
           <a:p>
             <a:fld id="{5EF987E6-3CF5-4CE7-BE19-7B52E9204BF0}" type="slidenum">
               <a:rPr lang="en-US" smtClean="0"/>
-              <a:t>‹#›</a:t>
+              <a:t>‹Nº›</a:t>
             </a:fld>
             <a:endParaRPr lang="en-US"/>
           </a:p>
@@ -4093,7 +3308,7 @@
           <a:p>
             <a:fld id="{1D9FD3EF-30A3-4F93-9574-394C0D689F48}" type="datetime1">
               <a:rPr lang="en-US" smtClean="0"/>
-              <a:t>11/24/2024</a:t>
+              <a:t>11/24/24</a:t>
             </a:fld>
             <a:endParaRPr lang="en-US"/>
           </a:p>
@@ -4186,7 +3401,7 @@
           <a:p>
             <a:fld id="{5EF987E6-3CF5-4CE7-BE19-7B52E9204BF0}" type="slidenum">
               <a:rPr lang="en-US" smtClean="0"/>
-              <a:t>‹#›</a:t>
+              <a:t>‹Nº›</a:t>
             </a:fld>
             <a:endParaRPr lang="en-US"/>
           </a:p>
@@ -8185,6 +7400,1294 @@
         <p:cNvPr id="1" name="">
           <a:extLst>
             <a:ext uri="{FF2B5EF4-FFF2-40B4-BE49-F238E27FC236}">
+              <a16:creationId xmlns:a16="http://schemas.microsoft.com/office/drawing/2014/main" id="{62638249-C9FA-321A-49D8-D6BCB8923811}"/>
+            </a:ext>
+          </a:extLst>
+        </p:cNvPr>
+        <p:cNvGrpSpPr/>
+        <p:nvPr/>
+      </p:nvGrpSpPr>
+      <p:grpSpPr>
+        <a:xfrm>
+          <a:off x="0" y="0"/>
+          <a:ext cx="0" cy="0"/>
+          <a:chOff x="0" y="0"/>
+          <a:chExt cx="0" cy="0"/>
+        </a:xfrm>
+      </p:grpSpPr>
+      <p:pic>
+        <p:nvPicPr>
+          <p:cNvPr id="5" name="Picture 4" descr="Green text on a black background&#10;&#10;Description automatically generated">
+            <a:extLst>
+              <a:ext uri="{FF2B5EF4-FFF2-40B4-BE49-F238E27FC236}">
+                <a16:creationId xmlns:a16="http://schemas.microsoft.com/office/drawing/2014/main" id="{40F7BC65-ADC3-909A-889C-9A75F5D560D1}"/>
+              </a:ext>
+            </a:extLst>
+          </p:cNvPr>
+          <p:cNvPicPr>
+            <a:picLocks noGrp="1" noRot="1" noChangeAspect="1" noMove="1" noResize="1" noEditPoints="1" noAdjustHandles="1" noChangeArrowheads="1" noChangeShapeType="1" noCrop="1"/>
+          </p:cNvPicPr>
+          <p:nvPr/>
+        </p:nvPicPr>
+        <p:blipFill>
+          <a:blip r:embed="rId2">
+            <a:extLst>
+              <a:ext uri="{28A0092B-C50C-407E-A947-70E740481C1C}">
+                <a14:useLocalDpi xmlns:a14="http://schemas.microsoft.com/office/drawing/2010/main" val="0"/>
+              </a:ext>
+            </a:extLst>
+          </a:blip>
+          <a:stretch>
+            <a:fillRect/>
+          </a:stretch>
+        </p:blipFill>
+        <p:spPr>
+          <a:xfrm>
+            <a:off x="108857" y="311243"/>
+            <a:ext cx="2373086" cy="719045"/>
+          </a:xfrm>
+          <a:prstGeom prst="rect">
+            <a:avLst/>
+          </a:prstGeom>
+        </p:spPr>
+      </p:pic>
+      <p:grpSp>
+        <p:nvGrpSpPr>
+          <p:cNvPr id="2" name="Group 1">
+            <a:extLst>
+              <a:ext uri="{FF2B5EF4-FFF2-40B4-BE49-F238E27FC236}">
+                <a16:creationId xmlns:a16="http://schemas.microsoft.com/office/drawing/2014/main" id="{32AA0CC4-0DF4-7885-4B86-99994313F1CE}"/>
+              </a:ext>
+            </a:extLst>
+          </p:cNvPr>
+          <p:cNvGrpSpPr/>
+          <p:nvPr/>
+        </p:nvGrpSpPr>
+        <p:grpSpPr>
+          <a:xfrm>
+            <a:off x="2891972" y="-275263"/>
+            <a:ext cx="2748327" cy="1600438"/>
+            <a:chOff x="2891972" y="-275263"/>
+            <a:chExt cx="2748327" cy="1600438"/>
+          </a:xfrm>
+        </p:grpSpPr>
+        <p:sp>
+          <p:nvSpPr>
+            <p:cNvPr id="3" name="Rectangle 1">
+              <a:extLst>
+                <a:ext uri="{FF2B5EF4-FFF2-40B4-BE49-F238E27FC236}">
+                  <a16:creationId xmlns:a16="http://schemas.microsoft.com/office/drawing/2014/main" id="{8A223934-E93C-977A-753F-643CE6ED2EA5}"/>
+                </a:ext>
+              </a:extLst>
+            </p:cNvPr>
+            <p:cNvSpPr/>
+            <p:nvPr/>
+          </p:nvSpPr>
+          <p:spPr bwMode="auto">
+            <a:xfrm>
+              <a:off x="3501572" y="-275263"/>
+              <a:ext cx="2138727" cy="1600438"/>
+            </a:xfrm>
+            <a:prstGeom prst="rect">
+              <a:avLst/>
+            </a:prstGeom>
+            <a:noFill/>
+            <a:ln>
+              <a:noFill/>
+            </a:ln>
+            <a:effectLst/>
+            <a:extLst>
+              <a:ext uri="{909E8E84-426E-40DD-AFC4-6F175D3DCCD1}">
+                <a14:hiddenFill xmlns:a14="http://schemas.microsoft.com/office/drawing/2010/main">
+                  <a:solidFill>
+                    <a:schemeClr val="accent1"/>
+                  </a:solidFill>
+                </a14:hiddenFill>
+              </a:ext>
+              <a:ext uri="{91240B29-F687-4F45-9708-019B960494DF}">
+                <a14:hiddenLine xmlns:a14="http://schemas.microsoft.com/office/drawing/2010/main" w="9525">
+                  <a:solidFill>
+                    <a:schemeClr val="tx1"/>
+                  </a:solidFill>
+                  <a:miter lim="800000"/>
+                  <a:headEnd/>
+                  <a:tailEnd/>
+                </a14:hiddenLine>
+              </a:ext>
+              <a:ext uri="{AF507438-7753-43E0-B8FC-AC1667EBCBE1}">
+                <a14:hiddenEffects xmlns:a14="http://schemas.microsoft.com/office/drawing/2010/main">
+                  <a:effectLst>
+                    <a:outerShdw dist="35921" dir="2700000" algn="ctr" rotWithShape="0">
+                      <a:schemeClr val="bg2"/>
+                    </a:outerShdw>
+                  </a:effectLst>
+                </a14:hiddenEffects>
+              </a:ext>
+            </a:extLst>
+          </p:spPr>
+          <p:txBody>
+            <a:bodyPr vert="horz" wrap="none" lIns="91440" tIns="45720" rIns="91440" bIns="45720" numCol="1" anchor="ctr" anchorCtr="0" compatLnSpc="1">
+              <a:prstTxWarp prst="textNoShape">
+                <a:avLst/>
+              </a:prstTxWarp>
+              <a:spAutoFit/>
+            </a:bodyPr>
+            <a:lstStyle/>
+            <a:p>
+              <a:pPr marL="0" marR="0" lvl="0" indent="0" algn="l" defTabSz="914400" rtl="0" eaLnBrk="0" fontAlgn="base" latinLnBrk="0" hangingPunct="0">
+                <a:lnSpc>
+                  <a:spcPct val="100000"/>
+                </a:lnSpc>
+                <a:spcBef>
+                  <a:spcPct val="0"/>
+                </a:spcBef>
+                <a:spcAft>
+                  <a:spcPct val="0"/>
+                </a:spcAft>
+                <a:buClrTx/>
+                <a:buSzTx/>
+                <a:buFontTx/>
+                <a:buNone/>
+                <a:tabLst/>
+              </a:pPr>
+              <a:r>
+                <a:rPr kumimoji="0" lang="en-US" altLang="en-US" sz="1400" b="0" i="0" u="none" strike="noStrike" cap="none" normalizeH="0" baseline="0" dirty="0">
+                  <a:ln>
+                    <a:noFill/>
+                  </a:ln>
+                  <a:solidFill>
+                    <a:schemeClr val="tx1"/>
+                  </a:solidFill>
+                  <a:effectLst/>
+                  <a:latin typeface="Arial" panose="020B0604020202020204" pitchFamily="34" charset="0"/>
+                </a:rPr>
+                <a:t>  </a:t>
+              </a:r>
+              <a:r>
+                <a:rPr kumimoji="0" lang="en-US" altLang="en-US" sz="3200" b="0" i="0" u="none" strike="noStrike" cap="none" normalizeH="0" baseline="0" dirty="0">
+                  <a:ln>
+                    <a:noFill/>
+                  </a:ln>
+                  <a:solidFill>
+                    <a:schemeClr val="tx1"/>
+                  </a:solidFill>
+                  <a:effectLst/>
+                  <a:latin typeface="Arial" panose="020B0604020202020204" pitchFamily="34" charset="0"/>
+                </a:rPr>
+                <a:t>     </a:t>
+              </a:r>
+              <a:br>
+                <a:rPr kumimoji="0" lang="en-US" altLang="en-US" sz="1400" b="0" i="0" u="none" strike="noStrike" cap="none" normalizeH="0" baseline="0" dirty="0">
+                  <a:ln>
+                    <a:noFill/>
+                  </a:ln>
+                  <a:solidFill>
+                    <a:schemeClr val="tx1"/>
+                  </a:solidFill>
+                  <a:effectLst/>
+                  <a:latin typeface="Arial" panose="020B0604020202020204" pitchFamily="34" charset="0"/>
+                </a:rPr>
+              </a:br>
+              <a:endParaRPr kumimoji="0" lang="en-US" altLang="en-US" sz="1400" b="0" i="0" u="none" strike="noStrike" cap="none" normalizeH="0" baseline="0" dirty="0">
+                <a:ln>
+                  <a:noFill/>
+                </a:ln>
+                <a:solidFill>
+                  <a:schemeClr val="tx1"/>
+                </a:solidFill>
+                <a:effectLst/>
+                <a:latin typeface="Arial" panose="020B0604020202020204" pitchFamily="34" charset="0"/>
+              </a:endParaRPr>
+            </a:p>
+            <a:p>
+              <a:pPr marL="0" marR="0" lvl="0" indent="0" algn="l" defTabSz="914400" rtl="0" eaLnBrk="0" fontAlgn="base" latinLnBrk="0" hangingPunct="0">
+                <a:lnSpc>
+                  <a:spcPct val="100000"/>
+                </a:lnSpc>
+                <a:spcBef>
+                  <a:spcPct val="0"/>
+                </a:spcBef>
+                <a:spcAft>
+                  <a:spcPct val="0"/>
+                </a:spcAft>
+                <a:buClrTx/>
+                <a:buSzTx/>
+                <a:buFontTx/>
+                <a:buNone/>
+                <a:tabLst/>
+              </a:pPr>
+              <a:r>
+                <a:rPr kumimoji="0" lang="es-ES" altLang="en-US" sz="2400" b="0" i="0" u="none" strike="noStrike" cap="none" normalizeH="0" baseline="0" dirty="0" err="1">
+                  <a:ln>
+                    <a:noFill/>
+                  </a:ln>
+                  <a:effectLst/>
+                  <a:latin typeface="Arial" panose="020B0604020202020204" pitchFamily="34" charset="0"/>
+                  <a:cs typeface="Arial" panose="020B0604020202020204" pitchFamily="34" charset="0"/>
+                </a:rPr>
+                <a:t>CognitiveCare</a:t>
+              </a:r>
+              <a:endParaRPr kumimoji="0" lang="es-ES" altLang="en-US" sz="600" b="0" i="0" u="none" strike="noStrike" cap="none" normalizeH="0" baseline="0" dirty="0">
+                <a:ln>
+                  <a:noFill/>
+                </a:ln>
+                <a:effectLst/>
+              </a:endParaRPr>
+            </a:p>
+            <a:p>
+              <a:pPr marL="0" marR="0" lvl="0" indent="0" algn="l" defTabSz="914400" rtl="0" eaLnBrk="0" fontAlgn="base" latinLnBrk="0" hangingPunct="0">
+                <a:lnSpc>
+                  <a:spcPct val="100000"/>
+                </a:lnSpc>
+                <a:spcBef>
+                  <a:spcPct val="0"/>
+                </a:spcBef>
+                <a:spcAft>
+                  <a:spcPct val="0"/>
+                </a:spcAft>
+                <a:buClrTx/>
+                <a:buSzTx/>
+                <a:buFontTx/>
+                <a:buNone/>
+                <a:tabLst/>
+              </a:pPr>
+              <a:br>
+                <a:rPr kumimoji="0" lang="en-US" altLang="en-US" sz="1400" b="0" i="0" u="none" strike="noStrike" cap="none" normalizeH="0" baseline="0" dirty="0">
+                  <a:ln>
+                    <a:noFill/>
+                  </a:ln>
+                  <a:solidFill>
+                    <a:schemeClr val="tx1"/>
+                  </a:solidFill>
+                  <a:effectLst/>
+                  <a:latin typeface="Arial" panose="020B0604020202020204" pitchFamily="34" charset="0"/>
+                </a:rPr>
+              </a:br>
+              <a:endParaRPr kumimoji="0" lang="en-US" altLang="en-US" sz="1400" b="0" i="0" u="none" strike="noStrike" cap="none" normalizeH="0" baseline="0" dirty="0">
+                <a:ln>
+                  <a:noFill/>
+                </a:ln>
+                <a:solidFill>
+                  <a:schemeClr val="tx1"/>
+                </a:solidFill>
+                <a:effectLst/>
+                <a:latin typeface="Arial" panose="020B0604020202020204" pitchFamily="34" charset="0"/>
+              </a:endParaRPr>
+            </a:p>
+          </p:txBody>
+        </p:sp>
+        <p:pic>
+          <p:nvPicPr>
+            <p:cNvPr id="4" name="Picture 2">
+              <a:extLst>
+                <a:ext uri="{FF2B5EF4-FFF2-40B4-BE49-F238E27FC236}">
+                  <a16:creationId xmlns:a16="http://schemas.microsoft.com/office/drawing/2014/main" id="{A73289B7-71C5-2B8F-1C34-A1BA2CF30561}"/>
+                </a:ext>
+              </a:extLst>
+            </p:cNvPr>
+            <p:cNvPicPr/>
+            <p:nvPr/>
+          </p:nvPicPr>
+          <p:blipFill>
+            <a:blip r:embed="rId3">
+              <a:extLst>
+                <a:ext uri="{28A0092B-C50C-407E-A947-70E740481C1C}">
+                  <a14:useLocalDpi xmlns:a14="http://schemas.microsoft.com/office/drawing/2010/main" val="0"/>
+                </a:ext>
+              </a:extLst>
+            </a:blip>
+            <a:srcRect/>
+            <a:stretch>
+              <a:fillRect/>
+            </a:stretch>
+          </p:blipFill>
+          <p:spPr bwMode="auto">
+            <a:xfrm>
+              <a:off x="2891972" y="365965"/>
+              <a:ext cx="609600" cy="609600"/>
+            </a:xfrm>
+            <a:prstGeom prst="rect">
+              <a:avLst/>
+            </a:prstGeom>
+            <a:noFill/>
+            <a:extLst>
+              <a:ext uri="{909E8E84-426E-40DD-AFC4-6F175D3DCCD1}">
+                <a14:hiddenFill xmlns:a14="http://schemas.microsoft.com/office/drawing/2010/main">
+                  <a:solidFill>
+                    <a:srgbClr val="FFFFFF"/>
+                  </a:solidFill>
+                </a14:hiddenFill>
+              </a:ext>
+            </a:extLst>
+          </p:spPr>
+        </p:pic>
+      </p:grpSp>
+      <p:sp>
+        <p:nvSpPr>
+          <p:cNvPr id="6" name="TextBox 5">
+            <a:extLst>
+              <a:ext uri="{FF2B5EF4-FFF2-40B4-BE49-F238E27FC236}">
+                <a16:creationId xmlns:a16="http://schemas.microsoft.com/office/drawing/2014/main" id="{B806C6B8-0724-05AA-84F9-355F96CAA971}"/>
+              </a:ext>
+            </a:extLst>
+          </p:cNvPr>
+          <p:cNvSpPr txBox="1"/>
+          <p:nvPr/>
+        </p:nvSpPr>
+        <p:spPr>
+          <a:xfrm>
+            <a:off x="3862863" y="1734300"/>
+            <a:ext cx="4466287" cy="738664"/>
+          </a:xfrm>
+          <a:prstGeom prst="rect">
+            <a:avLst/>
+          </a:prstGeom>
+          <a:noFill/>
+        </p:spPr>
+        <p:txBody>
+          <a:bodyPr wrap="none" rtlCol="0">
+            <a:spAutoFit/>
+          </a:bodyPr>
+          <a:lstStyle/>
+          <a:p>
+            <a:pPr algn="ctr"/>
+            <a:r>
+              <a:rPr lang="es-ES" sz="2400" b="1" dirty="0"/>
+              <a:t>Herramientas de la plataforma</a:t>
+            </a:r>
+            <a:endParaRPr lang="en-US" sz="2400" b="1" dirty="0"/>
+          </a:p>
+          <a:p>
+            <a:pPr algn="ctr"/>
+            <a:endParaRPr lang="en-US" b="1" dirty="0"/>
+          </a:p>
+        </p:txBody>
+      </p:sp>
+      <p:sp>
+        <p:nvSpPr>
+          <p:cNvPr id="7" name="TextBox 6">
+            <a:extLst>
+              <a:ext uri="{FF2B5EF4-FFF2-40B4-BE49-F238E27FC236}">
+                <a16:creationId xmlns:a16="http://schemas.microsoft.com/office/drawing/2014/main" id="{7F67142D-2052-4C79-3E9D-5FEA1EE937A1}"/>
+              </a:ext>
+            </a:extLst>
+          </p:cNvPr>
+          <p:cNvSpPr txBox="1"/>
+          <p:nvPr/>
+        </p:nvSpPr>
+        <p:spPr>
+          <a:xfrm>
+            <a:off x="6727372" y="136525"/>
+            <a:ext cx="5279571" cy="369332"/>
+          </a:xfrm>
+          <a:prstGeom prst="rect">
+            <a:avLst/>
+          </a:prstGeom>
+          <a:noFill/>
+        </p:spPr>
+        <p:txBody>
+          <a:bodyPr wrap="square" rtlCol="0">
+            <a:spAutoFit/>
+          </a:bodyPr>
+          <a:lstStyle/>
+          <a:p>
+            <a:pPr algn="r"/>
+            <a:r>
+              <a:rPr lang="en-US" dirty="0">
+                <a:solidFill>
+                  <a:schemeClr val="tx1">
+                    <a:tint val="82000"/>
+                  </a:schemeClr>
+                </a:solidFill>
+              </a:rPr>
+              <a:t>III. PROPUESTA DE VALOR</a:t>
+            </a:r>
+          </a:p>
+        </p:txBody>
+      </p:sp>
+      <p:sp>
+        <p:nvSpPr>
+          <p:cNvPr id="9" name="Slide Number Placeholder 8">
+            <a:extLst>
+              <a:ext uri="{FF2B5EF4-FFF2-40B4-BE49-F238E27FC236}">
+                <a16:creationId xmlns:a16="http://schemas.microsoft.com/office/drawing/2014/main" id="{0988A062-A056-51CB-9DC8-CDBE74AF284D}"/>
+              </a:ext>
+            </a:extLst>
+          </p:cNvPr>
+          <p:cNvSpPr>
+            <a:spLocks noGrp="1"/>
+          </p:cNvSpPr>
+          <p:nvPr>
+            <p:ph type="sldNum" sz="quarter" idx="12"/>
+          </p:nvPr>
+        </p:nvSpPr>
+        <p:spPr/>
+        <p:txBody>
+          <a:bodyPr/>
+          <a:lstStyle/>
+          <a:p>
+            <a:fld id="{5EF987E6-3CF5-4CE7-BE19-7B52E9204BF0}" type="slidenum">
+              <a:rPr lang="en-US" smtClean="0"/>
+              <a:t>5</a:t>
+            </a:fld>
+            <a:endParaRPr lang="en-US"/>
+          </a:p>
+        </p:txBody>
+      </p:sp>
+      <p:grpSp>
+        <p:nvGrpSpPr>
+          <p:cNvPr id="12" name="Group 11">
+            <a:extLst>
+              <a:ext uri="{FF2B5EF4-FFF2-40B4-BE49-F238E27FC236}">
+                <a16:creationId xmlns:a16="http://schemas.microsoft.com/office/drawing/2014/main" id="{10877F01-F1B2-0F44-6D13-D8130B3F9E3C}"/>
+              </a:ext>
+            </a:extLst>
+          </p:cNvPr>
+          <p:cNvGrpSpPr/>
+          <p:nvPr/>
+        </p:nvGrpSpPr>
+        <p:grpSpPr>
+          <a:xfrm>
+            <a:off x="2481943" y="2430663"/>
+            <a:ext cx="7043383" cy="2154279"/>
+            <a:chOff x="1116436" y="2496476"/>
+            <a:chExt cx="7043383" cy="1080604"/>
+          </a:xfrm>
+        </p:grpSpPr>
+        <p:sp>
+          <p:nvSpPr>
+            <p:cNvPr id="10" name="TextBox 9">
+              <a:extLst>
+                <a:ext uri="{FF2B5EF4-FFF2-40B4-BE49-F238E27FC236}">
+                  <a16:creationId xmlns:a16="http://schemas.microsoft.com/office/drawing/2014/main" id="{340D0FB9-51E3-911E-42F6-959F32AB2EB3}"/>
+                </a:ext>
+              </a:extLst>
+            </p:cNvPr>
+            <p:cNvSpPr txBox="1"/>
+            <p:nvPr/>
+          </p:nvSpPr>
+          <p:spPr>
+            <a:xfrm>
+              <a:off x="1116436" y="2496476"/>
+              <a:ext cx="184731" cy="369332"/>
+            </a:xfrm>
+            <a:prstGeom prst="rect">
+              <a:avLst/>
+            </a:prstGeom>
+            <a:noFill/>
+          </p:spPr>
+          <p:txBody>
+            <a:bodyPr wrap="none" rtlCol="0">
+              <a:spAutoFit/>
+            </a:bodyPr>
+            <a:lstStyle/>
+            <a:p>
+              <a:endParaRPr lang="es-ES" b="1" dirty="0"/>
+            </a:p>
+          </p:txBody>
+        </p:sp>
+        <p:sp>
+          <p:nvSpPr>
+            <p:cNvPr id="11" name="TextBox 10">
+              <a:extLst>
+                <a:ext uri="{FF2B5EF4-FFF2-40B4-BE49-F238E27FC236}">
+                  <a16:creationId xmlns:a16="http://schemas.microsoft.com/office/drawing/2014/main" id="{3B09D54A-B376-59B9-15E7-FDED54BFE1DA}"/>
+                </a:ext>
+              </a:extLst>
+            </p:cNvPr>
+            <p:cNvSpPr txBox="1"/>
+            <p:nvPr/>
+          </p:nvSpPr>
+          <p:spPr>
+            <a:xfrm>
+              <a:off x="1383524" y="2558151"/>
+              <a:ext cx="6776295" cy="1018929"/>
+            </a:xfrm>
+            <a:prstGeom prst="rect">
+              <a:avLst/>
+            </a:prstGeom>
+            <a:noFill/>
+          </p:spPr>
+          <p:txBody>
+            <a:bodyPr wrap="square" rtlCol="0">
+              <a:spAutoFit/>
+            </a:bodyPr>
+            <a:lstStyle/>
+            <a:p>
+              <a:pPr marL="285750" indent="-285750">
+                <a:buFont typeface="Arial" panose="020B0604020202020204" pitchFamily="34" charset="0"/>
+                <a:buChar char="•"/>
+              </a:pPr>
+              <a:r>
+                <a:rPr lang="es-ES" dirty="0"/>
+                <a:t>Transcripción de audios a texto de las sesiones grabadas</a:t>
+              </a:r>
+            </a:p>
+            <a:p>
+              <a:pPr marL="285750" indent="-285750">
+                <a:buFont typeface="Arial" panose="020B0604020202020204" pitchFamily="34" charset="0"/>
+                <a:buChar char="•"/>
+              </a:pPr>
+              <a:r>
+                <a:rPr lang="es-ES" dirty="0"/>
+                <a:t>Resumen generado por IA en base a la transcripción  de la sesión, proporcionando detalles.</a:t>
+              </a:r>
+            </a:p>
+            <a:p>
+              <a:pPr marL="285750" indent="-285750">
+                <a:buFont typeface="Arial" panose="020B0604020202020204" pitchFamily="34" charset="0"/>
+                <a:buChar char="•"/>
+              </a:pPr>
+              <a:r>
+                <a:rPr lang="es-ES" dirty="0"/>
+                <a:t>Registro de puntuaciones cognitivas en base a herramientas estándar</a:t>
+              </a:r>
+            </a:p>
+            <a:p>
+              <a:pPr marL="285750" indent="-285750">
+                <a:buFont typeface="Arial" panose="020B0604020202020204" pitchFamily="34" charset="0"/>
+                <a:buChar char="•"/>
+              </a:pPr>
+              <a:r>
+                <a:rPr lang="es-ES" dirty="0"/>
+                <a:t>Predicciones  en base a puntuaciones cognitivas y síntomas usando IA.</a:t>
+              </a:r>
+            </a:p>
+          </p:txBody>
+        </p:sp>
+      </p:grpSp>
+      <p:pic>
+        <p:nvPicPr>
+          <p:cNvPr id="17" name="Graphic 16" descr="Good Idea outline">
+            <a:extLst>
+              <a:ext uri="{FF2B5EF4-FFF2-40B4-BE49-F238E27FC236}">
+                <a16:creationId xmlns:a16="http://schemas.microsoft.com/office/drawing/2014/main" id="{B7202709-E553-09B1-CA13-8AC2EE0AE4D4}"/>
+              </a:ext>
+            </a:extLst>
+          </p:cNvPr>
+          <p:cNvPicPr>
+            <a:picLocks noChangeAspect="1"/>
+          </p:cNvPicPr>
+          <p:nvPr/>
+        </p:nvPicPr>
+        <p:blipFill>
+          <a:blip r:embed="rId4">
+            <a:extLst>
+              <a:ext uri="{96DAC541-7B7A-43D3-8B79-37D633B846F1}">
+                <asvg:svgBlip xmlns:asvg="http://schemas.microsoft.com/office/drawing/2016/SVG/main" r:embed="rId5"/>
+              </a:ext>
+            </a:extLst>
+          </a:blip>
+          <a:stretch>
+            <a:fillRect/>
+          </a:stretch>
+        </p:blipFill>
+        <p:spPr>
+          <a:xfrm>
+            <a:off x="1380451" y="2719776"/>
+            <a:ext cx="914400" cy="914400"/>
+          </a:xfrm>
+          <a:prstGeom prst="rect">
+            <a:avLst/>
+          </a:prstGeom>
+        </p:spPr>
+      </p:pic>
+      <p:pic>
+        <p:nvPicPr>
+          <p:cNvPr id="19" name="Graphic 18" descr="Shield Tick with solid fill">
+            <a:extLst>
+              <a:ext uri="{FF2B5EF4-FFF2-40B4-BE49-F238E27FC236}">
+                <a16:creationId xmlns:a16="http://schemas.microsoft.com/office/drawing/2014/main" id="{6A7535EB-BD6A-C3D7-7C51-059062F9D62F}"/>
+              </a:ext>
+            </a:extLst>
+          </p:cNvPr>
+          <p:cNvPicPr>
+            <a:picLocks noChangeAspect="1"/>
+          </p:cNvPicPr>
+          <p:nvPr/>
+        </p:nvPicPr>
+        <p:blipFill>
+          <a:blip r:embed="rId6">
+            <a:extLst>
+              <a:ext uri="{96DAC541-7B7A-43D3-8B79-37D633B846F1}">
+                <asvg:svgBlip xmlns:asvg="http://schemas.microsoft.com/office/drawing/2016/SVG/main" r:embed="rId7"/>
+              </a:ext>
+            </a:extLst>
+          </a:blip>
+          <a:stretch>
+            <a:fillRect/>
+          </a:stretch>
+        </p:blipFill>
+        <p:spPr>
+          <a:xfrm>
+            <a:off x="9897149" y="2719776"/>
+            <a:ext cx="914400" cy="914400"/>
+          </a:xfrm>
+          <a:prstGeom prst="rect">
+            <a:avLst/>
+          </a:prstGeom>
+        </p:spPr>
+      </p:pic>
+    </p:spTree>
+    <p:extLst>
+      <p:ext uri="{BB962C8B-B14F-4D97-AF65-F5344CB8AC3E}">
+        <p14:creationId xmlns:p14="http://schemas.microsoft.com/office/powerpoint/2010/main" val="3654096765"/>
+      </p:ext>
+    </p:extLst>
+  </p:cSld>
+  <p:clrMapOvr>
+    <a:masterClrMapping/>
+  </p:clrMapOvr>
+</p:sld>
+</file>
+
+<file path=ppt/slides/slide6.xml><?xml version="1.0" encoding="utf-8"?>
+<p:sld xmlns:a="http://schemas.openxmlformats.org/drawingml/2006/main" xmlns:r="http://schemas.openxmlformats.org/officeDocument/2006/relationships" xmlns:p="http://schemas.openxmlformats.org/presentationml/2006/main">
+  <p:cSld>
+    <p:spTree>
+      <p:nvGrpSpPr>
+        <p:cNvPr id="1" name="">
+          <a:extLst>
+            <a:ext uri="{FF2B5EF4-FFF2-40B4-BE49-F238E27FC236}">
+              <a16:creationId xmlns:a16="http://schemas.microsoft.com/office/drawing/2014/main" id="{4BCAE041-231E-A11F-2CBF-BFC3582414FB}"/>
+            </a:ext>
+          </a:extLst>
+        </p:cNvPr>
+        <p:cNvGrpSpPr/>
+        <p:nvPr/>
+      </p:nvGrpSpPr>
+      <p:grpSpPr>
+        <a:xfrm>
+          <a:off x="0" y="0"/>
+          <a:ext cx="0" cy="0"/>
+          <a:chOff x="0" y="0"/>
+          <a:chExt cx="0" cy="0"/>
+        </a:xfrm>
+      </p:grpSpPr>
+      <p:pic>
+        <p:nvPicPr>
+          <p:cNvPr id="5" name="Picture 4" descr="Green text on a black background&#10;&#10;Description automatically generated">
+            <a:extLst>
+              <a:ext uri="{FF2B5EF4-FFF2-40B4-BE49-F238E27FC236}">
+                <a16:creationId xmlns:a16="http://schemas.microsoft.com/office/drawing/2014/main" id="{6C8702F7-7DC4-7216-F91E-9471013F606D}"/>
+              </a:ext>
+            </a:extLst>
+          </p:cNvPr>
+          <p:cNvPicPr>
+            <a:picLocks noGrp="1" noRot="1" noChangeAspect="1" noMove="1" noResize="1" noEditPoints="1" noAdjustHandles="1" noChangeArrowheads="1" noChangeShapeType="1" noCrop="1"/>
+          </p:cNvPicPr>
+          <p:nvPr/>
+        </p:nvPicPr>
+        <p:blipFill>
+          <a:blip r:embed="rId2">
+            <a:extLst>
+              <a:ext uri="{28A0092B-C50C-407E-A947-70E740481C1C}">
+                <a14:useLocalDpi xmlns:a14="http://schemas.microsoft.com/office/drawing/2010/main" val="0"/>
+              </a:ext>
+            </a:extLst>
+          </a:blip>
+          <a:stretch>
+            <a:fillRect/>
+          </a:stretch>
+        </p:blipFill>
+        <p:spPr>
+          <a:xfrm>
+            <a:off x="108857" y="311243"/>
+            <a:ext cx="2373086" cy="719045"/>
+          </a:xfrm>
+          <a:prstGeom prst="rect">
+            <a:avLst/>
+          </a:prstGeom>
+        </p:spPr>
+      </p:pic>
+      <p:grpSp>
+        <p:nvGrpSpPr>
+          <p:cNvPr id="2" name="Group 1">
+            <a:extLst>
+              <a:ext uri="{FF2B5EF4-FFF2-40B4-BE49-F238E27FC236}">
+                <a16:creationId xmlns:a16="http://schemas.microsoft.com/office/drawing/2014/main" id="{7F8660B5-D600-DD55-4EC9-F2A50F0AEEF9}"/>
+              </a:ext>
+            </a:extLst>
+          </p:cNvPr>
+          <p:cNvGrpSpPr/>
+          <p:nvPr/>
+        </p:nvGrpSpPr>
+        <p:grpSpPr>
+          <a:xfrm>
+            <a:off x="2891972" y="-275263"/>
+            <a:ext cx="2748327" cy="1600438"/>
+            <a:chOff x="2891972" y="-275263"/>
+            <a:chExt cx="2748327" cy="1600438"/>
+          </a:xfrm>
+        </p:grpSpPr>
+        <p:sp>
+          <p:nvSpPr>
+            <p:cNvPr id="3" name="Rectangle 1">
+              <a:extLst>
+                <a:ext uri="{FF2B5EF4-FFF2-40B4-BE49-F238E27FC236}">
+                  <a16:creationId xmlns:a16="http://schemas.microsoft.com/office/drawing/2014/main" id="{87213615-5BC4-2059-C66D-7C3A2E99531F}"/>
+                </a:ext>
+              </a:extLst>
+            </p:cNvPr>
+            <p:cNvSpPr/>
+            <p:nvPr/>
+          </p:nvSpPr>
+          <p:spPr bwMode="auto">
+            <a:xfrm>
+              <a:off x="3501572" y="-275263"/>
+              <a:ext cx="2138727" cy="1600438"/>
+            </a:xfrm>
+            <a:prstGeom prst="rect">
+              <a:avLst/>
+            </a:prstGeom>
+            <a:noFill/>
+            <a:ln>
+              <a:noFill/>
+            </a:ln>
+            <a:effectLst/>
+            <a:extLst>
+              <a:ext uri="{909E8E84-426E-40DD-AFC4-6F175D3DCCD1}">
+                <a14:hiddenFill xmlns:a14="http://schemas.microsoft.com/office/drawing/2010/main">
+                  <a:solidFill>
+                    <a:schemeClr val="accent1"/>
+                  </a:solidFill>
+                </a14:hiddenFill>
+              </a:ext>
+              <a:ext uri="{91240B29-F687-4F45-9708-019B960494DF}">
+                <a14:hiddenLine xmlns:a14="http://schemas.microsoft.com/office/drawing/2010/main" w="9525">
+                  <a:solidFill>
+                    <a:schemeClr val="tx1"/>
+                  </a:solidFill>
+                  <a:miter lim="800000"/>
+                  <a:headEnd/>
+                  <a:tailEnd/>
+                </a14:hiddenLine>
+              </a:ext>
+              <a:ext uri="{AF507438-7753-43E0-B8FC-AC1667EBCBE1}">
+                <a14:hiddenEffects xmlns:a14="http://schemas.microsoft.com/office/drawing/2010/main">
+                  <a:effectLst>
+                    <a:outerShdw dist="35921" dir="2700000" algn="ctr" rotWithShape="0">
+                      <a:schemeClr val="bg2"/>
+                    </a:outerShdw>
+                  </a:effectLst>
+                </a14:hiddenEffects>
+              </a:ext>
+            </a:extLst>
+          </p:spPr>
+          <p:txBody>
+            <a:bodyPr vert="horz" wrap="none" lIns="91440" tIns="45720" rIns="91440" bIns="45720" numCol="1" anchor="ctr" anchorCtr="0" compatLnSpc="1">
+              <a:prstTxWarp prst="textNoShape">
+                <a:avLst/>
+              </a:prstTxWarp>
+              <a:spAutoFit/>
+            </a:bodyPr>
+            <a:lstStyle/>
+            <a:p>
+              <a:pPr marL="0" marR="0" lvl="0" indent="0" algn="l" defTabSz="914400" rtl="0" eaLnBrk="0" fontAlgn="base" latinLnBrk="0" hangingPunct="0">
+                <a:lnSpc>
+                  <a:spcPct val="100000"/>
+                </a:lnSpc>
+                <a:spcBef>
+                  <a:spcPct val="0"/>
+                </a:spcBef>
+                <a:spcAft>
+                  <a:spcPct val="0"/>
+                </a:spcAft>
+                <a:buClrTx/>
+                <a:buSzTx/>
+                <a:buFontTx/>
+                <a:buNone/>
+                <a:tabLst/>
+              </a:pPr>
+              <a:r>
+                <a:rPr kumimoji="0" lang="en-US" altLang="en-US" sz="1400" b="0" i="0" u="none" strike="noStrike" cap="none" normalizeH="0" baseline="0" dirty="0">
+                  <a:ln>
+                    <a:noFill/>
+                  </a:ln>
+                  <a:solidFill>
+                    <a:schemeClr val="tx1"/>
+                  </a:solidFill>
+                  <a:effectLst/>
+                  <a:latin typeface="Arial" panose="020B0604020202020204" pitchFamily="34" charset="0"/>
+                </a:rPr>
+                <a:t>  </a:t>
+              </a:r>
+              <a:r>
+                <a:rPr kumimoji="0" lang="en-US" altLang="en-US" sz="3200" b="0" i="0" u="none" strike="noStrike" cap="none" normalizeH="0" baseline="0" dirty="0">
+                  <a:ln>
+                    <a:noFill/>
+                  </a:ln>
+                  <a:solidFill>
+                    <a:schemeClr val="tx1"/>
+                  </a:solidFill>
+                  <a:effectLst/>
+                  <a:latin typeface="Arial" panose="020B0604020202020204" pitchFamily="34" charset="0"/>
+                </a:rPr>
+                <a:t>     </a:t>
+              </a:r>
+              <a:br>
+                <a:rPr kumimoji="0" lang="en-US" altLang="en-US" sz="1400" b="0" i="0" u="none" strike="noStrike" cap="none" normalizeH="0" baseline="0" dirty="0">
+                  <a:ln>
+                    <a:noFill/>
+                  </a:ln>
+                  <a:solidFill>
+                    <a:schemeClr val="tx1"/>
+                  </a:solidFill>
+                  <a:effectLst/>
+                  <a:latin typeface="Arial" panose="020B0604020202020204" pitchFamily="34" charset="0"/>
+                </a:rPr>
+              </a:br>
+              <a:endParaRPr kumimoji="0" lang="en-US" altLang="en-US" sz="1400" b="0" i="0" u="none" strike="noStrike" cap="none" normalizeH="0" baseline="0" dirty="0">
+                <a:ln>
+                  <a:noFill/>
+                </a:ln>
+                <a:solidFill>
+                  <a:schemeClr val="tx1"/>
+                </a:solidFill>
+                <a:effectLst/>
+                <a:latin typeface="Arial" panose="020B0604020202020204" pitchFamily="34" charset="0"/>
+              </a:endParaRPr>
+            </a:p>
+            <a:p>
+              <a:pPr marL="0" marR="0" lvl="0" indent="0" algn="l" defTabSz="914400" rtl="0" eaLnBrk="0" fontAlgn="base" latinLnBrk="0" hangingPunct="0">
+                <a:lnSpc>
+                  <a:spcPct val="100000"/>
+                </a:lnSpc>
+                <a:spcBef>
+                  <a:spcPct val="0"/>
+                </a:spcBef>
+                <a:spcAft>
+                  <a:spcPct val="0"/>
+                </a:spcAft>
+                <a:buClrTx/>
+                <a:buSzTx/>
+                <a:buFontTx/>
+                <a:buNone/>
+                <a:tabLst/>
+              </a:pPr>
+              <a:r>
+                <a:rPr kumimoji="0" lang="es-ES" altLang="en-US" sz="2400" b="0" i="0" u="none" strike="noStrike" cap="none" normalizeH="0" baseline="0" dirty="0" err="1">
+                  <a:ln>
+                    <a:noFill/>
+                  </a:ln>
+                  <a:effectLst/>
+                  <a:latin typeface="Arial" panose="020B0604020202020204" pitchFamily="34" charset="0"/>
+                  <a:cs typeface="Arial" panose="020B0604020202020204" pitchFamily="34" charset="0"/>
+                </a:rPr>
+                <a:t>CognitiveCare</a:t>
+              </a:r>
+              <a:endParaRPr kumimoji="0" lang="es-ES" altLang="en-US" sz="600" b="0" i="0" u="none" strike="noStrike" cap="none" normalizeH="0" baseline="0" dirty="0">
+                <a:ln>
+                  <a:noFill/>
+                </a:ln>
+                <a:effectLst/>
+              </a:endParaRPr>
+            </a:p>
+            <a:p>
+              <a:pPr marL="0" marR="0" lvl="0" indent="0" algn="l" defTabSz="914400" rtl="0" eaLnBrk="0" fontAlgn="base" latinLnBrk="0" hangingPunct="0">
+                <a:lnSpc>
+                  <a:spcPct val="100000"/>
+                </a:lnSpc>
+                <a:spcBef>
+                  <a:spcPct val="0"/>
+                </a:spcBef>
+                <a:spcAft>
+                  <a:spcPct val="0"/>
+                </a:spcAft>
+                <a:buClrTx/>
+                <a:buSzTx/>
+                <a:buFontTx/>
+                <a:buNone/>
+                <a:tabLst/>
+              </a:pPr>
+              <a:br>
+                <a:rPr kumimoji="0" lang="en-US" altLang="en-US" sz="1400" b="0" i="0" u="none" strike="noStrike" cap="none" normalizeH="0" baseline="0" dirty="0">
+                  <a:ln>
+                    <a:noFill/>
+                  </a:ln>
+                  <a:solidFill>
+                    <a:schemeClr val="tx1"/>
+                  </a:solidFill>
+                  <a:effectLst/>
+                  <a:latin typeface="Arial" panose="020B0604020202020204" pitchFamily="34" charset="0"/>
+                </a:rPr>
+              </a:br>
+              <a:endParaRPr kumimoji="0" lang="en-US" altLang="en-US" sz="1400" b="0" i="0" u="none" strike="noStrike" cap="none" normalizeH="0" baseline="0" dirty="0">
+                <a:ln>
+                  <a:noFill/>
+                </a:ln>
+                <a:solidFill>
+                  <a:schemeClr val="tx1"/>
+                </a:solidFill>
+                <a:effectLst/>
+                <a:latin typeface="Arial" panose="020B0604020202020204" pitchFamily="34" charset="0"/>
+              </a:endParaRPr>
+            </a:p>
+          </p:txBody>
+        </p:sp>
+        <p:pic>
+          <p:nvPicPr>
+            <p:cNvPr id="4" name="Picture 2">
+              <a:extLst>
+                <a:ext uri="{FF2B5EF4-FFF2-40B4-BE49-F238E27FC236}">
+                  <a16:creationId xmlns:a16="http://schemas.microsoft.com/office/drawing/2014/main" id="{0DA31E1C-4EDF-1EFD-FAA0-AD36C3ABF414}"/>
+                </a:ext>
+              </a:extLst>
+            </p:cNvPr>
+            <p:cNvPicPr/>
+            <p:nvPr/>
+          </p:nvPicPr>
+          <p:blipFill>
+            <a:blip r:embed="rId3">
+              <a:extLst>
+                <a:ext uri="{28A0092B-C50C-407E-A947-70E740481C1C}">
+                  <a14:useLocalDpi xmlns:a14="http://schemas.microsoft.com/office/drawing/2010/main" val="0"/>
+                </a:ext>
+              </a:extLst>
+            </a:blip>
+            <a:srcRect/>
+            <a:stretch>
+              <a:fillRect/>
+            </a:stretch>
+          </p:blipFill>
+          <p:spPr bwMode="auto">
+            <a:xfrm>
+              <a:off x="2891972" y="365965"/>
+              <a:ext cx="609600" cy="609600"/>
+            </a:xfrm>
+            <a:prstGeom prst="rect">
+              <a:avLst/>
+            </a:prstGeom>
+            <a:noFill/>
+            <a:extLst>
+              <a:ext uri="{909E8E84-426E-40DD-AFC4-6F175D3DCCD1}">
+                <a14:hiddenFill xmlns:a14="http://schemas.microsoft.com/office/drawing/2010/main">
+                  <a:solidFill>
+                    <a:srgbClr val="FFFFFF"/>
+                  </a:solidFill>
+                </a14:hiddenFill>
+              </a:ext>
+            </a:extLst>
+          </p:spPr>
+        </p:pic>
+      </p:grpSp>
+      <p:sp>
+        <p:nvSpPr>
+          <p:cNvPr id="6" name="TextBox 5">
+            <a:extLst>
+              <a:ext uri="{FF2B5EF4-FFF2-40B4-BE49-F238E27FC236}">
+                <a16:creationId xmlns:a16="http://schemas.microsoft.com/office/drawing/2014/main" id="{7202EA12-B49A-79EB-6C3F-9C9A2941BA3F}"/>
+              </a:ext>
+            </a:extLst>
+          </p:cNvPr>
+          <p:cNvSpPr txBox="1"/>
+          <p:nvPr/>
+        </p:nvSpPr>
+        <p:spPr>
+          <a:xfrm>
+            <a:off x="3501572" y="1186503"/>
+            <a:ext cx="4204356" cy="738664"/>
+          </a:xfrm>
+          <a:prstGeom prst="rect">
+            <a:avLst/>
+          </a:prstGeom>
+          <a:noFill/>
+        </p:spPr>
+        <p:txBody>
+          <a:bodyPr wrap="none" rtlCol="0">
+            <a:spAutoFit/>
+          </a:bodyPr>
+          <a:lstStyle/>
+          <a:p>
+            <a:pPr algn="ctr"/>
+            <a:r>
+              <a:rPr lang="es-ES" sz="2400" b="1" dirty="0"/>
+              <a:t>Arquitectura de la aplicación</a:t>
+            </a:r>
+            <a:endParaRPr lang="en-US" sz="2400" b="1" dirty="0"/>
+          </a:p>
+          <a:p>
+            <a:pPr algn="ctr"/>
+            <a:endParaRPr lang="en-US" b="1" dirty="0"/>
+          </a:p>
+        </p:txBody>
+      </p:sp>
+      <p:sp>
+        <p:nvSpPr>
+          <p:cNvPr id="7" name="TextBox 6">
+            <a:extLst>
+              <a:ext uri="{FF2B5EF4-FFF2-40B4-BE49-F238E27FC236}">
+                <a16:creationId xmlns:a16="http://schemas.microsoft.com/office/drawing/2014/main" id="{D908963B-3E09-F3B9-AEB0-C651E04FF510}"/>
+              </a:ext>
+            </a:extLst>
+          </p:cNvPr>
+          <p:cNvSpPr txBox="1"/>
+          <p:nvPr/>
+        </p:nvSpPr>
+        <p:spPr>
+          <a:xfrm>
+            <a:off x="6727372" y="136525"/>
+            <a:ext cx="5279571" cy="369332"/>
+          </a:xfrm>
+          <a:prstGeom prst="rect">
+            <a:avLst/>
+          </a:prstGeom>
+          <a:noFill/>
+        </p:spPr>
+        <p:txBody>
+          <a:bodyPr wrap="square" rtlCol="0">
+            <a:spAutoFit/>
+          </a:bodyPr>
+          <a:lstStyle/>
+          <a:p>
+            <a:pPr algn="r"/>
+            <a:r>
+              <a:rPr lang="en-US" dirty="0">
+                <a:solidFill>
+                  <a:schemeClr val="tx1">
+                    <a:tint val="82000"/>
+                  </a:schemeClr>
+                </a:solidFill>
+              </a:rPr>
+              <a:t>III. PROPUESTA DE VALOR</a:t>
+            </a:r>
+          </a:p>
+        </p:txBody>
+      </p:sp>
+      <p:sp>
+        <p:nvSpPr>
+          <p:cNvPr id="9" name="Slide Number Placeholder 8">
+            <a:extLst>
+              <a:ext uri="{FF2B5EF4-FFF2-40B4-BE49-F238E27FC236}">
+                <a16:creationId xmlns:a16="http://schemas.microsoft.com/office/drawing/2014/main" id="{14C81EDD-A65E-E96A-3E25-EE0E0108790B}"/>
+              </a:ext>
+            </a:extLst>
+          </p:cNvPr>
+          <p:cNvSpPr>
+            <a:spLocks noGrp="1"/>
+          </p:cNvSpPr>
+          <p:nvPr>
+            <p:ph type="sldNum" sz="quarter" idx="12"/>
+          </p:nvPr>
+        </p:nvSpPr>
+        <p:spPr/>
+        <p:txBody>
+          <a:bodyPr/>
+          <a:lstStyle/>
+          <a:p>
+            <a:fld id="{5EF987E6-3CF5-4CE7-BE19-7B52E9204BF0}" type="slidenum">
+              <a:rPr lang="en-US" smtClean="0"/>
+              <a:t>6</a:t>
+            </a:fld>
+            <a:endParaRPr lang="en-US"/>
+          </a:p>
+        </p:txBody>
+      </p:sp>
+      <p:pic>
+        <p:nvPicPr>
+          <p:cNvPr id="17" name="Graphic 16" descr="Good Idea outline">
+            <a:extLst>
+              <a:ext uri="{FF2B5EF4-FFF2-40B4-BE49-F238E27FC236}">
+                <a16:creationId xmlns:a16="http://schemas.microsoft.com/office/drawing/2014/main" id="{6BBBC711-6667-049C-B10F-194E1997D826}"/>
+              </a:ext>
+            </a:extLst>
+          </p:cNvPr>
+          <p:cNvPicPr>
+            <a:picLocks noChangeAspect="1"/>
+          </p:cNvPicPr>
+          <p:nvPr/>
+        </p:nvPicPr>
+        <p:blipFill>
+          <a:blip r:embed="rId4">
+            <a:extLst>
+              <a:ext uri="{96DAC541-7B7A-43D3-8B79-37D633B846F1}">
+                <asvg:svgBlip xmlns:asvg="http://schemas.microsoft.com/office/drawing/2016/SVG/main" r:embed="rId5"/>
+              </a:ext>
+            </a:extLst>
+          </a:blip>
+          <a:stretch>
+            <a:fillRect/>
+          </a:stretch>
+        </p:blipFill>
+        <p:spPr>
+          <a:xfrm>
+            <a:off x="1380451" y="2719776"/>
+            <a:ext cx="914400" cy="914400"/>
+          </a:xfrm>
+          <a:prstGeom prst="rect">
+            <a:avLst/>
+          </a:prstGeom>
+        </p:spPr>
+      </p:pic>
+      <p:pic>
+        <p:nvPicPr>
+          <p:cNvPr id="19" name="Graphic 18" descr="Shield Tick with solid fill">
+            <a:extLst>
+              <a:ext uri="{FF2B5EF4-FFF2-40B4-BE49-F238E27FC236}">
+                <a16:creationId xmlns:a16="http://schemas.microsoft.com/office/drawing/2014/main" id="{A9327EC9-7B26-2B98-A7D1-B0714D0CF9F5}"/>
+              </a:ext>
+            </a:extLst>
+          </p:cNvPr>
+          <p:cNvPicPr>
+            <a:picLocks noChangeAspect="1"/>
+          </p:cNvPicPr>
+          <p:nvPr/>
+        </p:nvPicPr>
+        <p:blipFill>
+          <a:blip r:embed="rId6">
+            <a:extLst>
+              <a:ext uri="{96DAC541-7B7A-43D3-8B79-37D633B846F1}">
+                <asvg:svgBlip xmlns:asvg="http://schemas.microsoft.com/office/drawing/2016/SVG/main" r:embed="rId7"/>
+              </a:ext>
+            </a:extLst>
+          </a:blip>
+          <a:stretch>
+            <a:fillRect/>
+          </a:stretch>
+        </p:blipFill>
+        <p:spPr>
+          <a:xfrm>
+            <a:off x="9897149" y="2719776"/>
+            <a:ext cx="914400" cy="914400"/>
+          </a:xfrm>
+          <a:prstGeom prst="rect">
+            <a:avLst/>
+          </a:prstGeom>
+        </p:spPr>
+      </p:pic>
+      <p:pic>
+        <p:nvPicPr>
+          <p:cNvPr id="13" name="Gráfico 12">
+            <a:extLst>
+              <a:ext uri="{FF2B5EF4-FFF2-40B4-BE49-F238E27FC236}">
+                <a16:creationId xmlns:a16="http://schemas.microsoft.com/office/drawing/2014/main" id="{928E9701-3BC8-DE64-BFEA-63C7BEE795A3}"/>
+              </a:ext>
+            </a:extLst>
+          </p:cNvPr>
+          <p:cNvPicPr>
+            <a:picLocks noChangeAspect="1"/>
+          </p:cNvPicPr>
+          <p:nvPr/>
+        </p:nvPicPr>
+        <p:blipFill>
+          <a:blip r:embed="rId8">
+            <a:extLst>
+              <a:ext uri="{96DAC541-7B7A-43D3-8B79-37D633B846F1}">
+                <asvg:svgBlip xmlns:asvg="http://schemas.microsoft.com/office/drawing/2016/SVG/main" r:embed="rId9"/>
+              </a:ext>
+            </a:extLst>
+          </a:blip>
+          <a:stretch>
+            <a:fillRect/>
+          </a:stretch>
+        </p:blipFill>
+        <p:spPr>
+          <a:xfrm>
+            <a:off x="3196772" y="1691814"/>
+            <a:ext cx="4762500" cy="4775200"/>
+          </a:xfrm>
+          <a:prstGeom prst="rect">
+            <a:avLst/>
+          </a:prstGeom>
+        </p:spPr>
+      </p:pic>
+      <p:pic>
+        <p:nvPicPr>
+          <p:cNvPr id="18" name="Imagen 17" descr="&#10;">
+            <a:extLst>
+              <a:ext uri="{FF2B5EF4-FFF2-40B4-BE49-F238E27FC236}">
+                <a16:creationId xmlns:a16="http://schemas.microsoft.com/office/drawing/2014/main" id="{961F5476-F4BA-1CB9-ECCF-8496CC5DB47F}"/>
+              </a:ext>
+            </a:extLst>
+          </p:cNvPr>
+          <p:cNvPicPr>
+            <a:picLocks noChangeAspect="1"/>
+          </p:cNvPicPr>
+          <p:nvPr/>
+        </p:nvPicPr>
+        <p:blipFill>
+          <a:blip r:embed="rId10">
+            <a:extLst>
+              <a:ext uri="{28A0092B-C50C-407E-A947-70E740481C1C}">
+                <a14:useLocalDpi xmlns:a14="http://schemas.microsoft.com/office/drawing/2010/main" val="0"/>
+              </a:ext>
+            </a:extLst>
+          </a:blip>
+          <a:stretch>
+            <a:fillRect/>
+          </a:stretch>
+        </p:blipFill>
+        <p:spPr>
+          <a:xfrm>
+            <a:off x="7118211" y="1691814"/>
+            <a:ext cx="587717" cy="587717"/>
+          </a:xfrm>
+          <a:prstGeom prst="rect">
+            <a:avLst/>
+          </a:prstGeom>
+        </p:spPr>
+      </p:pic>
+      <p:pic>
+        <p:nvPicPr>
+          <p:cNvPr id="1026" name="Picture 2">
+            <a:extLst>
+              <a:ext uri="{FF2B5EF4-FFF2-40B4-BE49-F238E27FC236}">
+                <a16:creationId xmlns:a16="http://schemas.microsoft.com/office/drawing/2014/main" id="{C76EDF76-E6CB-5432-D7F8-05B525553EB7}"/>
+              </a:ext>
+            </a:extLst>
+          </p:cNvPr>
+          <p:cNvPicPr>
+            <a:picLocks noChangeAspect="1" noChangeArrowheads="1"/>
+          </p:cNvPicPr>
+          <p:nvPr/>
+        </p:nvPicPr>
+        <p:blipFill>
+          <a:blip r:embed="rId11">
+            <a:extLst>
+              <a:ext uri="{28A0092B-C50C-407E-A947-70E740481C1C}">
+                <a14:useLocalDpi xmlns:a14="http://schemas.microsoft.com/office/drawing/2010/main" val="0"/>
+              </a:ext>
+            </a:extLst>
+          </a:blip>
+          <a:srcRect/>
+          <a:stretch>
+            <a:fillRect/>
+          </a:stretch>
+        </p:blipFill>
+        <p:spPr bwMode="auto">
+          <a:xfrm>
+            <a:off x="6583502" y="5768633"/>
+            <a:ext cx="587717" cy="587717"/>
+          </a:xfrm>
+          <a:prstGeom prst="rect">
+            <a:avLst/>
+          </a:prstGeom>
+          <a:solidFill>
+            <a:schemeClr val="bg1"/>
+          </a:solidFill>
+        </p:spPr>
+      </p:pic>
+    </p:spTree>
+    <p:extLst>
+      <p:ext uri="{BB962C8B-B14F-4D97-AF65-F5344CB8AC3E}">
+        <p14:creationId xmlns:p14="http://schemas.microsoft.com/office/powerpoint/2010/main" val="241934079"/>
+      </p:ext>
+    </p:extLst>
+  </p:cSld>
+  <p:clrMapOvr>
+    <a:masterClrMapping/>
+  </p:clrMapOvr>
+</p:sld>
+</file>
+
+<file path=ppt/slides/slide7.xml><?xml version="1.0" encoding="utf-8"?>
+<p:sld xmlns:a="http://schemas.openxmlformats.org/drawingml/2006/main" xmlns:r="http://schemas.openxmlformats.org/officeDocument/2006/relationships" xmlns:p="http://schemas.openxmlformats.org/presentationml/2006/main">
+  <p:cSld>
+    <p:spTree>
+      <p:nvGrpSpPr>
+        <p:cNvPr id="1" name="">
+          <a:extLst>
+            <a:ext uri="{FF2B5EF4-FFF2-40B4-BE49-F238E27FC236}">
               <a16:creationId xmlns:a16="http://schemas.microsoft.com/office/drawing/2014/main" id="{81F62452-5DA2-F171-FDB9-5BCF754C615A}"/>
             </a:ext>
           </a:extLst>
@@ -8606,7 +9109,7 @@
           <a:p>
             <a:fld id="{5EF987E6-3CF5-4CE7-BE19-7B52E9204BF0}" type="slidenum">
               <a:rPr lang="en-US" smtClean="0"/>
-              <a:t>5</a:t>
+              <a:t>7</a:t>
             </a:fld>
             <a:endParaRPr lang="en-US" dirty="0"/>
           </a:p>
